--- a/系统架构图.pptx
+++ b/系统架构图.pptx
@@ -1,18 +1,18 @@
 
 <file path=ppt/presentation.xml><?xml version="1.0" encoding="utf-8"?>
-<p:presentation xmlns:a="http://schemas.openxmlformats.org/drawingml/2006/main" xmlns:r="http://schemas.openxmlformats.org/officeDocument/2006/relationships" xmlns:p="http://schemas.openxmlformats.org/presentationml/2006/main" saveSubsetFonts="1">
+<p:presentation xmlns:a="http://schemas.openxmlformats.org/drawingml/2006/main" xmlns:r="http://schemas.openxmlformats.org/officeDocument/2006/relationships" xmlns:p="http://schemas.openxmlformats.org/presentationml/2006/main">
   <p:sldMasterIdLst>
     <p:sldMasterId id="2147483648" r:id="rId1"/>
   </p:sldMasterIdLst>
   <p:notesMasterIdLst>
-    <p:notesMasterId r:id="rId4"/>
+    <p:notesMasterId r:id="rId5"/>
   </p:notesMasterIdLst>
   <p:handoutMasterIdLst>
-    <p:handoutMasterId r:id="rId5"/>
+    <p:handoutMasterId r:id="rId6"/>
   </p:handoutMasterIdLst>
   <p:sldIdLst>
-    <p:sldId id="256" r:id="rId2"/>
-    <p:sldId id="257" r:id="rId3"/>
+    <p:sldId id="256" r:id="rId3"/>
+    <p:sldId id="257" r:id="rId4"/>
   </p:sldIdLst>
   <p:sldSz cx="12192000" cy="6858000"/>
   <p:notesSz cx="6858000" cy="9144000"/>
@@ -111,11 +111,6 @@
       </a:defRPr>
     </a:lvl9pPr>
   </p:defaultTextStyle>
-  <p:extLst>
-    <p:ext uri="{EFAFB233-063F-42B5-8137-9DF3F51BA10A}">
-      <p15:sldGuideLst xmlns:p15="http://schemas.microsoft.com/office/powerpoint/2012/main"/>
-    </p:ext>
-  </p:extLst>
 </p:presentation>
 </file>
 
@@ -201,7 +196,6 @@
           <a:p>
             <a:fld id="{0F9B84EA-7D68-4D60-9CB1-D50884785D1C}" type="datetimeFigureOut">
               <a:rPr lang="zh-CN" altLang="en-US" smtClean="0"/>
-              <a:t>17/9/18</a:t>
             </a:fld>
             <a:endParaRPr lang="zh-CN" altLang="en-US"/>
           </a:p>
@@ -267,7 +261,6 @@
           <a:p>
             <a:fld id="{8D4E0FC9-F1F8-4FAE-9988-3BA365CFD46F}" type="slidenum">
               <a:rPr lang="zh-CN" altLang="en-US" smtClean="0"/>
-              <a:t>‹#›</a:t>
             </a:fld>
             <a:endParaRPr lang="zh-CN" altLang="en-US"/>
           </a:p>
@@ -361,7 +354,6 @@
           <a:p>
             <a:fld id="{D2A48B96-639E-45A3-A0BA-2464DFDB1FAA}" type="datetimeFigureOut">
               <a:rPr lang="zh-CN" altLang="en-US" smtClean="0"/>
-              <a:t>17/9/18</a:t>
             </a:fld>
             <a:endParaRPr lang="zh-CN" altLang="en-US"/>
           </a:p>
@@ -428,6 +420,7 @@
               <a:rPr lang="zh-CN" altLang="en-US" smtClean="0"/>
               <a:t>单击此处编辑母版文本样式</a:t>
             </a:r>
+            <a:endParaRPr lang="zh-CN" altLang="en-US" smtClean="0"/>
           </a:p>
           <a:p>
             <a:pPr lvl="1"/>
@@ -435,6 +428,7 @@
               <a:rPr lang="zh-CN" altLang="en-US" smtClean="0"/>
               <a:t>第二级</a:t>
             </a:r>
+            <a:endParaRPr lang="zh-CN" altLang="en-US" smtClean="0"/>
           </a:p>
           <a:p>
             <a:pPr lvl="2"/>
@@ -442,6 +436,7 @@
               <a:rPr lang="zh-CN" altLang="en-US" smtClean="0"/>
               <a:t>第三级</a:t>
             </a:r>
+            <a:endParaRPr lang="zh-CN" altLang="en-US" smtClean="0"/>
           </a:p>
           <a:p>
             <a:pPr lvl="3"/>
@@ -449,6 +444,7 @@
               <a:rPr lang="zh-CN" altLang="en-US" smtClean="0"/>
               <a:t>第四级</a:t>
             </a:r>
+            <a:endParaRPr lang="zh-CN" altLang="en-US" smtClean="0"/>
           </a:p>
           <a:p>
             <a:pPr lvl="4"/>
@@ -520,7 +516,6 @@
           <a:p>
             <a:fld id="{A6837353-30EB-4A48-80EB-173D804AEFBD}" type="slidenum">
               <a:rPr lang="zh-CN" altLang="en-US" smtClean="0"/>
-              <a:t>‹#›</a:t>
             </a:fld>
             <a:endParaRPr lang="zh-CN" altLang="en-US"/>
           </a:p>
@@ -624,6 +619,50 @@
 </p:notesMaster>
 </file>
 
+<file path=ppt/notesSlides/notesSlide1.xml><?xml version="1.0" encoding="utf-8"?>
+<p:notes xmlns:a="http://schemas.openxmlformats.org/drawingml/2006/main" xmlns:r="http://schemas.openxmlformats.org/officeDocument/2006/relationships" xmlns:p="http://schemas.openxmlformats.org/presentationml/2006/main">
+  <p:cSld>
+    <p:spTree>
+      <p:nvGrpSpPr>
+        <p:cNvPr id="1" name=""/>
+        <p:cNvGrpSpPr/>
+        <p:nvPr/>
+      </p:nvGrpSpPr>
+      <p:grpSpPr/>
+      <p:sp>
+        <p:nvSpPr>
+          <p:cNvPr id="2" name="幻灯片图像占位符 1"/>
+          <p:cNvSpPr/>
+          <p:nvPr>
+            <p:ph type="sldImg" idx="2"/>
+          </p:nvPr>
+        </p:nvSpPr>
+        <p:spPr/>
+      </p:sp>
+      <p:sp>
+        <p:nvSpPr>
+          <p:cNvPr id="3" name="文本占位符 2"/>
+          <p:cNvSpPr/>
+          <p:nvPr>
+            <p:ph type="body" idx="3"/>
+          </p:nvPr>
+        </p:nvSpPr>
+        <p:spPr/>
+        <p:txBody>
+          <a:bodyPr/>
+          <a:p>
+            <a:endParaRPr lang="zh-CN" altLang="en-US"/>
+          </a:p>
+        </p:txBody>
+      </p:sp>
+    </p:spTree>
+  </p:cSld>
+  <p:clrMapOvr>
+    <a:masterClrMapping/>
+  </p:clrMapOvr>
+</p:notes>
+</file>
+
 <file path=ppt/slideLayouts/slideLayout1.xml><?xml version="1.0" encoding="utf-8"?>
 <p:sldLayout xmlns:a="http://schemas.openxmlformats.org/drawingml/2006/main" xmlns:r="http://schemas.openxmlformats.org/officeDocument/2006/relationships" xmlns:p="http://schemas.openxmlformats.org/presentationml/2006/main" type="title" preserve="1">
   <p:cSld name="标题幻灯片">
@@ -755,7 +794,6 @@
           <a:p>
             <a:fld id="{D997B5FA-0921-464F-AAE1-844C04324D75}" type="datetimeFigureOut">
               <a:rPr lang="zh-CN" altLang="en-US" smtClean="0"/>
-              <a:t>17/9/18</a:t>
             </a:fld>
             <a:endParaRPr lang="zh-CN" altLang="en-US"/>
           </a:p>
@@ -797,7 +835,6 @@
           <a:p>
             <a:fld id="{565CE74E-AB26-4998-AD42-012C4C1AD076}" type="slidenum">
               <a:rPr lang="zh-CN" altLang="en-US" smtClean="0"/>
-              <a:t>‹#›</a:t>
             </a:fld>
             <a:endParaRPr lang="zh-CN" altLang="en-US"/>
           </a:p>
@@ -871,6 +908,7 @@
               <a:rPr lang="zh-CN" altLang="en-US" smtClean="0"/>
               <a:t>单击此处编辑母版文本样式</a:t>
             </a:r>
+            <a:endParaRPr lang="zh-CN" altLang="en-US" smtClean="0"/>
           </a:p>
           <a:p>
             <a:pPr lvl="1"/>
@@ -878,6 +916,7 @@
               <a:rPr lang="zh-CN" altLang="en-US" smtClean="0"/>
               <a:t>第二级</a:t>
             </a:r>
+            <a:endParaRPr lang="zh-CN" altLang="en-US" smtClean="0"/>
           </a:p>
           <a:p>
             <a:pPr lvl="2"/>
@@ -885,6 +924,7 @@
               <a:rPr lang="zh-CN" altLang="en-US" smtClean="0"/>
               <a:t>第三级</a:t>
             </a:r>
+            <a:endParaRPr lang="zh-CN" altLang="en-US" smtClean="0"/>
           </a:p>
           <a:p>
             <a:pPr lvl="3"/>
@@ -892,6 +932,7 @@
               <a:rPr lang="zh-CN" altLang="en-US" smtClean="0"/>
               <a:t>第四级</a:t>
             </a:r>
+            <a:endParaRPr lang="zh-CN" altLang="en-US" smtClean="0"/>
           </a:p>
           <a:p>
             <a:pPr lvl="4"/>
@@ -920,7 +961,6 @@
           <a:p>
             <a:fld id="{D997B5FA-0921-464F-AAE1-844C04324D75}" type="datetimeFigureOut">
               <a:rPr lang="zh-CN" altLang="en-US" smtClean="0"/>
-              <a:t>17/9/18</a:t>
             </a:fld>
             <a:endParaRPr lang="zh-CN" altLang="en-US"/>
           </a:p>
@@ -962,7 +1002,6 @@
           <a:p>
             <a:fld id="{565CE74E-AB26-4998-AD42-012C4C1AD076}" type="slidenum">
               <a:rPr lang="zh-CN" altLang="en-US" smtClean="0"/>
-              <a:t>‹#›</a:t>
             </a:fld>
             <a:endParaRPr lang="zh-CN" altLang="en-US"/>
           </a:p>
@@ -1046,6 +1085,7 @@
               <a:rPr lang="zh-CN" altLang="en-US" smtClean="0"/>
               <a:t>单击此处编辑母版文本样式</a:t>
             </a:r>
+            <a:endParaRPr lang="zh-CN" altLang="en-US" smtClean="0"/>
           </a:p>
           <a:p>
             <a:pPr lvl="1"/>
@@ -1053,6 +1093,7 @@
               <a:rPr lang="zh-CN" altLang="en-US" smtClean="0"/>
               <a:t>第二级</a:t>
             </a:r>
+            <a:endParaRPr lang="zh-CN" altLang="en-US" smtClean="0"/>
           </a:p>
           <a:p>
             <a:pPr lvl="2"/>
@@ -1060,6 +1101,7 @@
               <a:rPr lang="zh-CN" altLang="en-US" smtClean="0"/>
               <a:t>第三级</a:t>
             </a:r>
+            <a:endParaRPr lang="zh-CN" altLang="en-US" smtClean="0"/>
           </a:p>
           <a:p>
             <a:pPr lvl="3"/>
@@ -1067,6 +1109,7 @@
               <a:rPr lang="zh-CN" altLang="en-US" smtClean="0"/>
               <a:t>第四级</a:t>
             </a:r>
+            <a:endParaRPr lang="zh-CN" altLang="en-US" smtClean="0"/>
           </a:p>
           <a:p>
             <a:pPr lvl="4"/>
@@ -1095,7 +1138,6 @@
           <a:p>
             <a:fld id="{D997B5FA-0921-464F-AAE1-844C04324D75}" type="datetimeFigureOut">
               <a:rPr lang="zh-CN" altLang="en-US" smtClean="0"/>
-              <a:t>17/9/18</a:t>
             </a:fld>
             <a:endParaRPr lang="zh-CN" altLang="en-US"/>
           </a:p>
@@ -1137,7 +1179,6 @@
           <a:p>
             <a:fld id="{565CE74E-AB26-4998-AD42-012C4C1AD076}" type="slidenum">
               <a:rPr lang="zh-CN" altLang="en-US" smtClean="0"/>
-              <a:t>‹#›</a:t>
             </a:fld>
             <a:endParaRPr lang="zh-CN" altLang="en-US"/>
           </a:p>
@@ -1211,6 +1252,7 @@
               <a:rPr lang="zh-CN" altLang="en-US" smtClean="0"/>
               <a:t>单击此处编辑母版文本样式</a:t>
             </a:r>
+            <a:endParaRPr lang="zh-CN" altLang="en-US" smtClean="0"/>
           </a:p>
           <a:p>
             <a:pPr lvl="1"/>
@@ -1218,6 +1260,7 @@
               <a:rPr lang="zh-CN" altLang="en-US" smtClean="0"/>
               <a:t>第二级</a:t>
             </a:r>
+            <a:endParaRPr lang="zh-CN" altLang="en-US" smtClean="0"/>
           </a:p>
           <a:p>
             <a:pPr lvl="2"/>
@@ -1225,6 +1268,7 @@
               <a:rPr lang="zh-CN" altLang="en-US" smtClean="0"/>
               <a:t>第三级</a:t>
             </a:r>
+            <a:endParaRPr lang="zh-CN" altLang="en-US" smtClean="0"/>
           </a:p>
           <a:p>
             <a:pPr lvl="3"/>
@@ -1232,6 +1276,7 @@
               <a:rPr lang="zh-CN" altLang="en-US" smtClean="0"/>
               <a:t>第四级</a:t>
             </a:r>
+            <a:endParaRPr lang="zh-CN" altLang="en-US" smtClean="0"/>
           </a:p>
           <a:p>
             <a:pPr lvl="4"/>
@@ -1260,7 +1305,6 @@
           <a:p>
             <a:fld id="{D997B5FA-0921-464F-AAE1-844C04324D75}" type="datetimeFigureOut">
               <a:rPr lang="zh-CN" altLang="en-US" smtClean="0"/>
-              <a:t>17/9/18</a:t>
             </a:fld>
             <a:endParaRPr lang="zh-CN" altLang="en-US"/>
           </a:p>
@@ -1302,7 +1346,6 @@
           <a:p>
             <a:fld id="{565CE74E-AB26-4998-AD42-012C4C1AD076}" type="slidenum">
               <a:rPr lang="zh-CN" altLang="en-US" smtClean="0"/>
-              <a:t>‹#›</a:t>
             </a:fld>
             <a:endParaRPr lang="zh-CN" altLang="en-US"/>
           </a:p>
@@ -1481,6 +1524,7 @@
               <a:rPr lang="zh-CN" altLang="en-US" smtClean="0"/>
               <a:t>单击此处编辑母版文本样式</a:t>
             </a:r>
+            <a:endParaRPr lang="zh-CN" altLang="en-US" smtClean="0"/>
           </a:p>
         </p:txBody>
       </p:sp>
@@ -1501,7 +1545,6 @@
           <a:p>
             <a:fld id="{D997B5FA-0921-464F-AAE1-844C04324D75}" type="datetimeFigureOut">
               <a:rPr lang="zh-CN" altLang="en-US" smtClean="0"/>
-              <a:t>17/9/18</a:t>
             </a:fld>
             <a:endParaRPr lang="zh-CN" altLang="en-US"/>
           </a:p>
@@ -1543,7 +1586,6 @@
           <a:p>
             <a:fld id="{565CE74E-AB26-4998-AD42-012C4C1AD076}" type="slidenum">
               <a:rPr lang="zh-CN" altLang="en-US" smtClean="0"/>
-              <a:t>‹#›</a:t>
             </a:fld>
             <a:endParaRPr lang="zh-CN" altLang="en-US"/>
           </a:p>
@@ -1622,6 +1664,7 @@
               <a:rPr lang="zh-CN" altLang="en-US" smtClean="0"/>
               <a:t>单击此处编辑母版文本样式</a:t>
             </a:r>
+            <a:endParaRPr lang="zh-CN" altLang="en-US" smtClean="0"/>
           </a:p>
           <a:p>
             <a:pPr lvl="1"/>
@@ -1629,6 +1672,7 @@
               <a:rPr lang="zh-CN" altLang="en-US" smtClean="0"/>
               <a:t>第二级</a:t>
             </a:r>
+            <a:endParaRPr lang="zh-CN" altLang="en-US" smtClean="0"/>
           </a:p>
           <a:p>
             <a:pPr lvl="2"/>
@@ -1636,6 +1680,7 @@
               <a:rPr lang="zh-CN" altLang="en-US" smtClean="0"/>
               <a:t>第三级</a:t>
             </a:r>
+            <a:endParaRPr lang="zh-CN" altLang="en-US" smtClean="0"/>
           </a:p>
           <a:p>
             <a:pPr lvl="3"/>
@@ -1643,6 +1688,7 @@
               <a:rPr lang="zh-CN" altLang="en-US" smtClean="0"/>
               <a:t>第四级</a:t>
             </a:r>
+            <a:endParaRPr lang="zh-CN" altLang="en-US" smtClean="0"/>
           </a:p>
           <a:p>
             <a:pPr lvl="4"/>
@@ -1679,6 +1725,7 @@
               <a:rPr lang="zh-CN" altLang="en-US" smtClean="0"/>
               <a:t>单击此处编辑母版文本样式</a:t>
             </a:r>
+            <a:endParaRPr lang="zh-CN" altLang="en-US" smtClean="0"/>
           </a:p>
           <a:p>
             <a:pPr lvl="1"/>
@@ -1686,6 +1733,7 @@
               <a:rPr lang="zh-CN" altLang="en-US" smtClean="0"/>
               <a:t>第二级</a:t>
             </a:r>
+            <a:endParaRPr lang="zh-CN" altLang="en-US" smtClean="0"/>
           </a:p>
           <a:p>
             <a:pPr lvl="2"/>
@@ -1693,6 +1741,7 @@
               <a:rPr lang="zh-CN" altLang="en-US" smtClean="0"/>
               <a:t>第三级</a:t>
             </a:r>
+            <a:endParaRPr lang="zh-CN" altLang="en-US" smtClean="0"/>
           </a:p>
           <a:p>
             <a:pPr lvl="3"/>
@@ -1700,6 +1749,7 @@
               <a:rPr lang="zh-CN" altLang="en-US" smtClean="0"/>
               <a:t>第四级</a:t>
             </a:r>
+            <a:endParaRPr lang="zh-CN" altLang="en-US" smtClean="0"/>
           </a:p>
           <a:p>
             <a:pPr lvl="4"/>
@@ -1728,7 +1778,6 @@
           <a:p>
             <a:fld id="{D997B5FA-0921-464F-AAE1-844C04324D75}" type="datetimeFigureOut">
               <a:rPr lang="zh-CN" altLang="en-US" smtClean="0"/>
-              <a:t>17/9/18</a:t>
             </a:fld>
             <a:endParaRPr lang="zh-CN" altLang="en-US"/>
           </a:p>
@@ -1770,7 +1819,6 @@
           <a:p>
             <a:fld id="{565CE74E-AB26-4998-AD42-012C4C1AD076}" type="slidenum">
               <a:rPr lang="zh-CN" altLang="en-US" smtClean="0"/>
-              <a:t>‹#›</a:t>
             </a:fld>
             <a:endParaRPr lang="zh-CN" altLang="en-US"/>
           </a:p>
@@ -1891,6 +1939,7 @@
               <a:rPr lang="zh-CN" altLang="en-US" smtClean="0"/>
               <a:t>单击此处编辑母版文本样式</a:t>
             </a:r>
+            <a:endParaRPr lang="zh-CN" altLang="en-US" smtClean="0"/>
           </a:p>
         </p:txBody>
       </p:sp>
@@ -1919,6 +1968,7 @@
               <a:rPr lang="zh-CN" altLang="en-US" smtClean="0"/>
               <a:t>单击此处编辑母版文本样式</a:t>
             </a:r>
+            <a:endParaRPr lang="zh-CN" altLang="en-US" smtClean="0"/>
           </a:p>
           <a:p>
             <a:pPr lvl="1"/>
@@ -1926,6 +1976,7 @@
               <a:rPr lang="zh-CN" altLang="en-US" smtClean="0"/>
               <a:t>第二级</a:t>
             </a:r>
+            <a:endParaRPr lang="zh-CN" altLang="en-US" smtClean="0"/>
           </a:p>
           <a:p>
             <a:pPr lvl="2"/>
@@ -1933,6 +1984,7 @@
               <a:rPr lang="zh-CN" altLang="en-US" smtClean="0"/>
               <a:t>第三级</a:t>
             </a:r>
+            <a:endParaRPr lang="zh-CN" altLang="en-US" smtClean="0"/>
           </a:p>
           <a:p>
             <a:pPr lvl="3"/>
@@ -1940,6 +1992,7 @@
               <a:rPr lang="zh-CN" altLang="en-US" smtClean="0"/>
               <a:t>第四级</a:t>
             </a:r>
+            <a:endParaRPr lang="zh-CN" altLang="en-US" smtClean="0"/>
           </a:p>
           <a:p>
             <a:pPr lvl="4"/>
@@ -2013,6 +2066,7 @@
               <a:rPr lang="zh-CN" altLang="en-US" smtClean="0"/>
               <a:t>单击此处编辑母版文本样式</a:t>
             </a:r>
+            <a:endParaRPr lang="zh-CN" altLang="en-US" smtClean="0"/>
           </a:p>
         </p:txBody>
       </p:sp>
@@ -2041,6 +2095,7 @@
               <a:rPr lang="zh-CN" altLang="en-US" smtClean="0"/>
               <a:t>单击此处编辑母版文本样式</a:t>
             </a:r>
+            <a:endParaRPr lang="zh-CN" altLang="en-US" smtClean="0"/>
           </a:p>
           <a:p>
             <a:pPr lvl="1"/>
@@ -2048,6 +2103,7 @@
               <a:rPr lang="zh-CN" altLang="en-US" smtClean="0"/>
               <a:t>第二级</a:t>
             </a:r>
+            <a:endParaRPr lang="zh-CN" altLang="en-US" smtClean="0"/>
           </a:p>
           <a:p>
             <a:pPr lvl="2"/>
@@ -2055,6 +2111,7 @@
               <a:rPr lang="zh-CN" altLang="en-US" smtClean="0"/>
               <a:t>第三级</a:t>
             </a:r>
+            <a:endParaRPr lang="zh-CN" altLang="en-US" smtClean="0"/>
           </a:p>
           <a:p>
             <a:pPr lvl="3"/>
@@ -2062,6 +2119,7 @@
               <a:rPr lang="zh-CN" altLang="en-US" smtClean="0"/>
               <a:t>第四级</a:t>
             </a:r>
+            <a:endParaRPr lang="zh-CN" altLang="en-US" smtClean="0"/>
           </a:p>
           <a:p>
             <a:pPr lvl="4"/>
@@ -2090,7 +2148,6 @@
           <a:p>
             <a:fld id="{D997B5FA-0921-464F-AAE1-844C04324D75}" type="datetimeFigureOut">
               <a:rPr lang="zh-CN" altLang="en-US" smtClean="0"/>
-              <a:t>17/9/18</a:t>
             </a:fld>
             <a:endParaRPr lang="zh-CN" altLang="en-US"/>
           </a:p>
@@ -2132,7 +2189,6 @@
           <a:p>
             <a:fld id="{565CE74E-AB26-4998-AD42-012C4C1AD076}" type="slidenum">
               <a:rPr lang="zh-CN" altLang="en-US" smtClean="0"/>
-              <a:t>‹#›</a:t>
             </a:fld>
             <a:endParaRPr lang="zh-CN" altLang="en-US"/>
           </a:p>
@@ -2203,7 +2259,6 @@
           <a:p>
             <a:fld id="{D997B5FA-0921-464F-AAE1-844C04324D75}" type="datetimeFigureOut">
               <a:rPr lang="zh-CN" altLang="en-US" smtClean="0"/>
-              <a:t>17/9/18</a:t>
             </a:fld>
             <a:endParaRPr lang="zh-CN" altLang="en-US"/>
           </a:p>
@@ -2245,7 +2300,6 @@
           <a:p>
             <a:fld id="{565CE74E-AB26-4998-AD42-012C4C1AD076}" type="slidenum">
               <a:rPr lang="zh-CN" altLang="en-US" smtClean="0"/>
-              <a:t>‹#›</a:t>
             </a:fld>
             <a:endParaRPr lang="zh-CN" altLang="en-US"/>
           </a:p>
@@ -2293,7 +2347,6 @@
           <a:p>
             <a:fld id="{D997B5FA-0921-464F-AAE1-844C04324D75}" type="datetimeFigureOut">
               <a:rPr lang="zh-CN" altLang="en-US" smtClean="0"/>
-              <a:t>17/9/18</a:t>
             </a:fld>
             <a:endParaRPr lang="zh-CN" altLang="en-US"/>
           </a:p>
@@ -2335,7 +2388,6 @@
           <a:p>
             <a:fld id="{565CE74E-AB26-4998-AD42-012C4C1AD076}" type="slidenum">
               <a:rPr lang="zh-CN" altLang="en-US" smtClean="0"/>
-              <a:t>‹#›</a:t>
             </a:fld>
             <a:endParaRPr lang="zh-CN" altLang="en-US"/>
           </a:p>
@@ -2451,6 +2503,7 @@
               <a:rPr lang="zh-CN" altLang="en-US" smtClean="0"/>
               <a:t>单击此处编辑母版文本样式</a:t>
             </a:r>
+            <a:endParaRPr lang="zh-CN" altLang="en-US" smtClean="0"/>
           </a:p>
           <a:p>
             <a:pPr lvl="1"/>
@@ -2458,6 +2511,7 @@
               <a:rPr lang="zh-CN" altLang="en-US" smtClean="0"/>
               <a:t>第二级</a:t>
             </a:r>
+            <a:endParaRPr lang="zh-CN" altLang="en-US" smtClean="0"/>
           </a:p>
           <a:p>
             <a:pPr lvl="2"/>
@@ -2465,6 +2519,7 @@
               <a:rPr lang="zh-CN" altLang="en-US" smtClean="0"/>
               <a:t>第三级</a:t>
             </a:r>
+            <a:endParaRPr lang="zh-CN" altLang="en-US" smtClean="0"/>
           </a:p>
           <a:p>
             <a:pPr lvl="3"/>
@@ -2472,6 +2527,7 @@
               <a:rPr lang="zh-CN" altLang="en-US" smtClean="0"/>
               <a:t>第四级</a:t>
             </a:r>
+            <a:endParaRPr lang="zh-CN" altLang="en-US" smtClean="0"/>
           </a:p>
           <a:p>
             <a:pPr lvl="4"/>
@@ -2545,6 +2601,7 @@
               <a:rPr lang="zh-CN" altLang="en-US" smtClean="0"/>
               <a:t>单击此处编辑母版文本样式</a:t>
             </a:r>
+            <a:endParaRPr lang="zh-CN" altLang="en-US" smtClean="0"/>
           </a:p>
         </p:txBody>
       </p:sp>
@@ -2565,7 +2622,6 @@
           <a:p>
             <a:fld id="{D997B5FA-0921-464F-AAE1-844C04324D75}" type="datetimeFigureOut">
               <a:rPr lang="zh-CN" altLang="en-US" smtClean="0"/>
-              <a:t>17/9/18</a:t>
             </a:fld>
             <a:endParaRPr lang="zh-CN" altLang="en-US"/>
           </a:p>
@@ -2607,7 +2663,6 @@
           <a:p>
             <a:fld id="{565CE74E-AB26-4998-AD42-012C4C1AD076}" type="slidenum">
               <a:rPr lang="zh-CN" altLang="en-US" smtClean="0"/>
-              <a:t>‹#›</a:t>
             </a:fld>
             <a:endParaRPr lang="zh-CN" altLang="en-US"/>
           </a:p>
@@ -2793,6 +2848,7 @@
               <a:rPr lang="zh-CN" altLang="en-US" smtClean="0"/>
               <a:t>单击此处编辑母版文本样式</a:t>
             </a:r>
+            <a:endParaRPr lang="zh-CN" altLang="en-US" smtClean="0"/>
           </a:p>
         </p:txBody>
       </p:sp>
@@ -2813,7 +2869,6 @@
           <a:p>
             <a:fld id="{D997B5FA-0921-464F-AAE1-844C04324D75}" type="datetimeFigureOut">
               <a:rPr lang="zh-CN" altLang="en-US" smtClean="0"/>
-              <a:t>17/9/18</a:t>
             </a:fld>
             <a:endParaRPr lang="zh-CN" altLang="en-US"/>
           </a:p>
@@ -2855,7 +2910,6 @@
           <a:p>
             <a:fld id="{565CE74E-AB26-4998-AD42-012C4C1AD076}" type="slidenum">
               <a:rPr lang="zh-CN" altLang="en-US" smtClean="0"/>
-              <a:t>‹#›</a:t>
             </a:fld>
             <a:endParaRPr lang="zh-CN" altLang="en-US"/>
           </a:p>
@@ -2954,6 +3008,7 @@
               <a:rPr lang="zh-CN" altLang="en-US" smtClean="0"/>
               <a:t>单击此处编辑母版文本样式</a:t>
             </a:r>
+            <a:endParaRPr lang="zh-CN" altLang="en-US" smtClean="0"/>
           </a:p>
           <a:p>
             <a:pPr lvl="1"/>
@@ -2961,6 +3016,7 @@
               <a:rPr lang="zh-CN" altLang="en-US" smtClean="0"/>
               <a:t>第二级</a:t>
             </a:r>
+            <a:endParaRPr lang="zh-CN" altLang="en-US" smtClean="0"/>
           </a:p>
           <a:p>
             <a:pPr lvl="2"/>
@@ -2968,6 +3024,7 @@
               <a:rPr lang="zh-CN" altLang="en-US" smtClean="0"/>
               <a:t>第三级</a:t>
             </a:r>
+            <a:endParaRPr lang="zh-CN" altLang="en-US" smtClean="0"/>
           </a:p>
           <a:p>
             <a:pPr lvl="3"/>
@@ -2975,6 +3032,7 @@
               <a:rPr lang="zh-CN" altLang="en-US" smtClean="0"/>
               <a:t>第四级</a:t>
             </a:r>
+            <a:endParaRPr lang="zh-CN" altLang="en-US" smtClean="0"/>
           </a:p>
           <a:p>
             <a:pPr lvl="4"/>
@@ -3021,7 +3079,6 @@
           <a:p>
             <a:fld id="{D997B5FA-0921-464F-AAE1-844C04324D75}" type="datetimeFigureOut">
               <a:rPr lang="zh-CN" altLang="en-US" smtClean="0"/>
-              <a:t>17/9/18</a:t>
             </a:fld>
             <a:endParaRPr lang="zh-CN" altLang="en-US"/>
           </a:p>
@@ -3099,7 +3156,6 @@
           <a:p>
             <a:fld id="{565CE74E-AB26-4998-AD42-012C4C1AD076}" type="slidenum">
               <a:rPr lang="zh-CN" altLang="en-US" smtClean="0"/>
-              <a:t>‹#›</a:t>
             </a:fld>
             <a:endParaRPr lang="zh-CN" altLang="en-US"/>
           </a:p>
@@ -3479,6 +3535,12 @@
               </a:rPr>
               <a:t>config</a:t>
             </a:r>
+            <a:endParaRPr lang="en-US" altLang="zh-CN" sz="2200">
+              <a:solidFill>
+                <a:schemeClr val="tx1"/>
+              </a:solidFill>
+              <a:sym typeface="+mn-ea"/>
+            </a:endParaRPr>
           </a:p>
         </p:txBody>
       </p:sp>
@@ -3540,6 +3602,12 @@
               </a:rPr>
               <a:t>price</a:t>
             </a:r>
+            <a:endParaRPr lang="en-US" altLang="zh-CN" sz="2200">
+              <a:solidFill>
+                <a:schemeClr val="tx1"/>
+              </a:solidFill>
+              <a:sym typeface="+mn-ea"/>
+            </a:endParaRPr>
           </a:p>
         </p:txBody>
       </p:sp>
@@ -3601,6 +3669,12 @@
               </a:rPr>
               <a:t>verify</a:t>
             </a:r>
+            <a:endParaRPr lang="en-US" altLang="zh-CN" sz="2200">
+              <a:solidFill>
+                <a:schemeClr val="tx1"/>
+              </a:solidFill>
+              <a:sym typeface="+mn-ea"/>
+            </a:endParaRPr>
           </a:p>
           <a:p>
             <a:pPr lvl="0" algn="ctr"/>
@@ -3613,6 +3687,12 @@
               </a:rPr>
               <a:t>code</a:t>
             </a:r>
+            <a:endParaRPr lang="en-US" altLang="zh-CN" sz="2200">
+              <a:solidFill>
+                <a:schemeClr val="tx1"/>
+              </a:solidFill>
+              <a:sym typeface="+mn-ea"/>
+            </a:endParaRPr>
           </a:p>
         </p:txBody>
       </p:sp>
@@ -3674,6 +3754,12 @@
               </a:rPr>
               <a:t>contact</a:t>
             </a:r>
+            <a:endParaRPr lang="en-US" altLang="zh-CN" sz="2200">
+              <a:solidFill>
+                <a:schemeClr val="tx1"/>
+              </a:solidFill>
+              <a:sym typeface="+mn-ea"/>
+            </a:endParaRPr>
           </a:p>
         </p:txBody>
       </p:sp>
@@ -3735,6 +3821,12 @@
               </a:rPr>
               <a:t>train</a:t>
             </a:r>
+            <a:endParaRPr lang="en-US" altLang="zh-CN" sz="2200">
+              <a:solidFill>
+                <a:schemeClr val="tx1"/>
+              </a:solidFill>
+              <a:sym typeface="+mn-ea"/>
+            </a:endParaRPr>
           </a:p>
         </p:txBody>
       </p:sp>
@@ -3796,6 +3888,12 @@
               </a:rPr>
               <a:t>station</a:t>
             </a:r>
+            <a:endParaRPr lang="en-US" altLang="zh-CN" sz="2200" dirty="0">
+              <a:solidFill>
+                <a:schemeClr val="tx1"/>
+              </a:solidFill>
+              <a:sym typeface="+mn-ea"/>
+            </a:endParaRPr>
           </a:p>
         </p:txBody>
       </p:sp>
@@ -3857,6 +3955,12 @@
               </a:rPr>
               <a:t>single</a:t>
             </a:r>
+            <a:endParaRPr lang="en-US" altLang="zh-CN" sz="2200">
+              <a:solidFill>
+                <a:schemeClr val="tx1"/>
+              </a:solidFill>
+              <a:sym typeface="+mn-ea"/>
+            </a:endParaRPr>
           </a:p>
           <a:p>
             <a:pPr lvl="0" algn="ctr"/>
@@ -3869,6 +3973,12 @@
               </a:rPr>
               <a:t> sign-on</a:t>
             </a:r>
+            <a:endParaRPr lang="en-US" altLang="zh-CN" sz="2200">
+              <a:solidFill>
+                <a:schemeClr val="tx1"/>
+              </a:solidFill>
+              <a:sym typeface="+mn-ea"/>
+            </a:endParaRPr>
           </a:p>
         </p:txBody>
       </p:sp>
@@ -3930,6 +4040,12 @@
               </a:rPr>
               <a:t>basic</a:t>
             </a:r>
+            <a:endParaRPr lang="en-US" altLang="zh-CN" sz="2200">
+              <a:solidFill>
+                <a:schemeClr val="tx1"/>
+              </a:solidFill>
+              <a:sym typeface="+mn-ea"/>
+            </a:endParaRPr>
           </a:p>
           <a:p>
             <a:pPr lvl="0" algn="ctr"/>
@@ -3942,6 +4058,12 @@
               </a:rPr>
               <a:t>info</a:t>
             </a:r>
+            <a:endParaRPr lang="en-US" altLang="zh-CN" sz="2200">
+              <a:solidFill>
+                <a:schemeClr val="tx1"/>
+              </a:solidFill>
+              <a:sym typeface="+mn-ea"/>
+            </a:endParaRPr>
           </a:p>
         </p:txBody>
       </p:sp>
@@ -4003,6 +4125,12 @@
               </a:rPr>
               <a:t>login</a:t>
             </a:r>
+            <a:endParaRPr lang="en-US" altLang="zh-CN" sz="2200">
+              <a:solidFill>
+                <a:schemeClr val="tx1"/>
+              </a:solidFill>
+              <a:sym typeface="+mn-ea"/>
+            </a:endParaRPr>
           </a:p>
         </p:txBody>
       </p:sp>
@@ -4064,6 +4192,12 @@
               </a:rPr>
               <a:t>register</a:t>
             </a:r>
+            <a:endParaRPr lang="en-US" altLang="zh-CN" sz="2200">
+              <a:solidFill>
+                <a:schemeClr val="tx1"/>
+              </a:solidFill>
+              <a:sym typeface="+mn-ea"/>
+            </a:endParaRPr>
           </a:p>
         </p:txBody>
       </p:sp>
@@ -4125,6 +4259,12 @@
               </a:rPr>
               <a:t>notify</a:t>
             </a:r>
+            <a:endParaRPr lang="en-US" altLang="zh-CN" sz="2200">
+              <a:solidFill>
+                <a:schemeClr val="tx1"/>
+              </a:solidFill>
+              <a:sym typeface="+mn-ea"/>
+            </a:endParaRPr>
           </a:p>
         </p:txBody>
       </p:sp>
@@ -4186,6 +4326,12 @@
               </a:rPr>
               <a:t>ticket</a:t>
             </a:r>
+            <a:endParaRPr lang="en-US" altLang="zh-CN" sz="2200">
+              <a:solidFill>
+                <a:schemeClr val="tx1"/>
+              </a:solidFill>
+              <a:sym typeface="+mn-ea"/>
+            </a:endParaRPr>
           </a:p>
           <a:p>
             <a:pPr lvl="0" algn="ctr"/>
@@ -4198,6 +4344,12 @@
               </a:rPr>
               <a:t>info</a:t>
             </a:r>
+            <a:endParaRPr lang="en-US" altLang="zh-CN" sz="2200">
+              <a:solidFill>
+                <a:schemeClr val="tx1"/>
+              </a:solidFill>
+              <a:sym typeface="+mn-ea"/>
+            </a:endParaRPr>
           </a:p>
         </p:txBody>
       </p:sp>
@@ -4259,6 +4411,12 @@
               </a:rPr>
               <a:t>high-speed</a:t>
             </a:r>
+            <a:endParaRPr lang="en-US" altLang="zh-CN" sz="2200" dirty="0">
+              <a:solidFill>
+                <a:schemeClr val="tx1"/>
+              </a:solidFill>
+              <a:sym typeface="+mn-ea"/>
+            </a:endParaRPr>
           </a:p>
           <a:p>
             <a:pPr lvl="0" algn="ctr"/>
@@ -4271,6 +4429,12 @@
               </a:rPr>
               <a:t>order</a:t>
             </a:r>
+            <a:endParaRPr lang="en-US" altLang="zh-CN" sz="2200" dirty="0">
+              <a:solidFill>
+                <a:schemeClr val="tx1"/>
+              </a:solidFill>
+              <a:sym typeface="+mn-ea"/>
+            </a:endParaRPr>
           </a:p>
         </p:txBody>
       </p:sp>
@@ -4332,6 +4496,12 @@
               </a:rPr>
               <a:t>high-speed</a:t>
             </a:r>
+            <a:endParaRPr lang="en-US" altLang="zh-CN" sz="2200" dirty="0">
+              <a:solidFill>
+                <a:schemeClr val="tx1"/>
+              </a:solidFill>
+              <a:sym typeface="+mn-ea"/>
+            </a:endParaRPr>
           </a:p>
           <a:p>
             <a:pPr lvl="0" algn="ctr"/>
@@ -4344,6 +4514,12 @@
               </a:rPr>
               <a:t>travel</a:t>
             </a:r>
+            <a:endParaRPr lang="en-US" altLang="zh-CN" sz="2200" dirty="0">
+              <a:solidFill>
+                <a:schemeClr val="tx1"/>
+              </a:solidFill>
+              <a:sym typeface="+mn-ea"/>
+            </a:endParaRPr>
           </a:p>
           <a:p>
             <a:pPr lvl="0" algn="ctr"/>
@@ -4356,6 +4532,12 @@
               </a:rPr>
               <a:t>explore</a:t>
             </a:r>
+            <a:endParaRPr lang="en-US" altLang="zh-CN" sz="2200" dirty="0">
+              <a:solidFill>
+                <a:schemeClr val="tx1"/>
+              </a:solidFill>
+              <a:sym typeface="+mn-ea"/>
+            </a:endParaRPr>
           </a:p>
         </p:txBody>
       </p:sp>
@@ -4417,6 +4599,12 @@
               </a:rPr>
               <a:t>inside</a:t>
             </a:r>
+            <a:endParaRPr lang="en-US" altLang="zh-CN" sz="2200" dirty="0">
+              <a:solidFill>
+                <a:schemeClr val="tx1"/>
+              </a:solidFill>
+              <a:sym typeface="+mn-ea"/>
+            </a:endParaRPr>
           </a:p>
           <a:p>
             <a:pPr lvl="0" algn="ctr"/>
@@ -4429,6 +4617,12 @@
               </a:rPr>
               <a:t>pay</a:t>
             </a:r>
+            <a:endParaRPr lang="en-US" altLang="zh-CN" sz="2200" dirty="0">
+              <a:solidFill>
+                <a:schemeClr val="tx1"/>
+              </a:solidFill>
+              <a:sym typeface="+mn-ea"/>
+            </a:endParaRPr>
           </a:p>
         </p:txBody>
       </p:sp>
@@ -4490,6 +4684,12 @@
               </a:rPr>
               <a:t>pay</a:t>
             </a:r>
+            <a:endParaRPr lang="en-US" altLang="zh-CN" sz="2200" dirty="0">
+              <a:solidFill>
+                <a:schemeClr val="tx1"/>
+              </a:solidFill>
+              <a:sym typeface="+mn-ea"/>
+            </a:endParaRPr>
           </a:p>
         </p:txBody>
       </p:sp>
@@ -4551,6 +4751,12 @@
               </a:rPr>
               <a:t>ticket</a:t>
             </a:r>
+            <a:endParaRPr lang="en-US" altLang="zh-CN" sz="2200" dirty="0">
+              <a:solidFill>
+                <a:schemeClr val="tx1"/>
+              </a:solidFill>
+              <a:sym typeface="+mn-ea"/>
+            </a:endParaRPr>
           </a:p>
           <a:p>
             <a:pPr lvl="0" algn="ctr"/>
@@ -4563,6 +4769,12 @@
               </a:rPr>
               <a:t>execute</a:t>
             </a:r>
+            <a:endParaRPr lang="en-US" altLang="zh-CN" sz="2200" dirty="0">
+              <a:solidFill>
+                <a:schemeClr val="tx1"/>
+              </a:solidFill>
+              <a:sym typeface="+mn-ea"/>
+            </a:endParaRPr>
           </a:p>
         </p:txBody>
       </p:sp>
@@ -4624,6 +4836,12 @@
               </a:rPr>
               <a:t>security</a:t>
             </a:r>
+            <a:endParaRPr lang="en-US" altLang="zh-CN" sz="2200">
+              <a:solidFill>
+                <a:schemeClr val="tx1"/>
+              </a:solidFill>
+              <a:sym typeface="+mn-ea"/>
+            </a:endParaRPr>
           </a:p>
         </p:txBody>
       </p:sp>
@@ -4685,6 +4903,12 @@
               </a:rPr>
               <a:t>ticket </a:t>
             </a:r>
+            <a:endParaRPr lang="en-US" altLang="zh-CN" sz="2200">
+              <a:solidFill>
+                <a:schemeClr val="tx1"/>
+              </a:solidFill>
+              <a:sym typeface="+mn-ea"/>
+            </a:endParaRPr>
           </a:p>
           <a:p>
             <a:pPr lvl="0" algn="ctr"/>
@@ -4697,6 +4921,12 @@
               </a:rPr>
               <a:t>rebook</a:t>
             </a:r>
+            <a:endParaRPr lang="en-US" altLang="zh-CN" sz="2200">
+              <a:solidFill>
+                <a:schemeClr val="tx1"/>
+              </a:solidFill>
+              <a:sym typeface="+mn-ea"/>
+            </a:endParaRPr>
           </a:p>
         </p:txBody>
       </p:sp>
@@ -4757,6 +4987,11 @@
               </a:rPr>
               <a:t>high-speed</a:t>
             </a:r>
+            <a:endParaRPr lang="en-US" altLang="zh-CN" sz="2200" dirty="0">
+              <a:solidFill>
+                <a:schemeClr val="tx1"/>
+              </a:solidFill>
+            </a:endParaRPr>
           </a:p>
           <a:p>
             <a:pPr algn="ctr"/>
@@ -4768,6 +5003,11 @@
               </a:rPr>
               <a:t>ticket</a:t>
             </a:r>
+            <a:endParaRPr lang="en-US" altLang="zh-CN" sz="2200" dirty="0">
+              <a:solidFill>
+                <a:schemeClr val="tx1"/>
+              </a:solidFill>
+            </a:endParaRPr>
           </a:p>
           <a:p>
             <a:pPr algn="ctr"/>
@@ -4779,6 +5019,11 @@
               </a:rPr>
               <a:t>reserve</a:t>
             </a:r>
+            <a:endParaRPr lang="en-US" altLang="zh-CN" sz="2200" dirty="0">
+              <a:solidFill>
+                <a:schemeClr val="tx1"/>
+              </a:solidFill>
+            </a:endParaRPr>
           </a:p>
         </p:txBody>
       </p:sp>
@@ -4840,6 +5085,12 @@
               </a:rPr>
               <a:t>order</a:t>
             </a:r>
+            <a:endParaRPr lang="en-US" altLang="zh-CN" sz="2200">
+              <a:solidFill>
+                <a:schemeClr val="tx1"/>
+              </a:solidFill>
+              <a:sym typeface="+mn-ea"/>
+            </a:endParaRPr>
           </a:p>
         </p:txBody>
       </p:sp>
@@ -4900,6 +5151,11 @@
               </a:rPr>
               <a:t>ticket</a:t>
             </a:r>
+            <a:endParaRPr lang="en-US" altLang="zh-CN" sz="2200" dirty="0">
+              <a:solidFill>
+                <a:schemeClr val="tx1"/>
+              </a:solidFill>
+            </a:endParaRPr>
           </a:p>
           <a:p>
             <a:pPr algn="ctr"/>
@@ -4978,6 +5234,12 @@
               </a:rPr>
               <a:t>travel</a:t>
             </a:r>
+            <a:endParaRPr lang="en-US" altLang="zh-CN" sz="2200" dirty="0">
+              <a:solidFill>
+                <a:schemeClr val="tx1"/>
+              </a:solidFill>
+              <a:sym typeface="+mn-ea"/>
+            </a:endParaRPr>
           </a:p>
           <a:p>
             <a:pPr lvl="0" algn="ctr"/>
@@ -4990,6 +5252,12 @@
               </a:rPr>
               <a:t>explore</a:t>
             </a:r>
+            <a:endParaRPr lang="en-US" altLang="zh-CN" sz="2200" dirty="0">
+              <a:solidFill>
+                <a:schemeClr val="tx1"/>
+              </a:solidFill>
+              <a:sym typeface="+mn-ea"/>
+            </a:endParaRPr>
           </a:p>
         </p:txBody>
       </p:sp>
@@ -5051,6 +5319,12 @@
               </a:rPr>
               <a:t>cancel</a:t>
             </a:r>
+            <a:endParaRPr lang="en-US" altLang="zh-CN" sz="2200" dirty="0">
+              <a:solidFill>
+                <a:schemeClr val="tx1"/>
+              </a:solidFill>
+              <a:sym typeface="+mn-ea"/>
+            </a:endParaRPr>
           </a:p>
           <a:p>
             <a:pPr lvl="0" algn="ctr"/>
@@ -5063,6 +5337,12 @@
               </a:rPr>
               <a:t>order</a:t>
             </a:r>
+            <a:endParaRPr lang="en-US" altLang="zh-CN" sz="2200" dirty="0">
+              <a:solidFill>
+                <a:schemeClr val="tx1"/>
+              </a:solidFill>
+              <a:sym typeface="+mn-ea"/>
+            </a:endParaRPr>
           </a:p>
         </p:txBody>
       </p:sp>
@@ -5118,6 +5398,11 @@
               </a:rPr>
               <a:t>Gateway</a:t>
             </a:r>
+            <a:endParaRPr lang="en-US" altLang="zh-CN" sz="2800" dirty="0">
+              <a:solidFill>
+                <a:schemeClr val="tx1"/>
+              </a:solidFill>
+            </a:endParaRPr>
           </a:p>
         </p:txBody>
       </p:sp>
@@ -5173,6 +5458,11 @@
               </a:rPr>
               <a:t>Service</a:t>
             </a:r>
+            <a:endParaRPr lang="en-US" altLang="zh-CN" sz="2800" dirty="0">
+              <a:solidFill>
+                <a:schemeClr val="tx1"/>
+              </a:solidFill>
+            </a:endParaRPr>
           </a:p>
           <a:p>
             <a:pPr algn="ctr"/>
@@ -5184,6 +5474,11 @@
               </a:rPr>
               <a:t>Discovery</a:t>
             </a:r>
+            <a:endParaRPr lang="en-US" altLang="zh-CN" sz="2800" dirty="0">
+              <a:solidFill>
+                <a:schemeClr val="tx1"/>
+              </a:solidFill>
+            </a:endParaRPr>
           </a:p>
           <a:p>
             <a:pPr algn="ctr"/>
@@ -5203,6 +5498,11 @@
               </a:rPr>
               <a:t>Service</a:t>
             </a:r>
+            <a:endParaRPr lang="en-US" altLang="zh-CN" sz="2800" dirty="0">
+              <a:solidFill>
+                <a:schemeClr val="tx1"/>
+              </a:solidFill>
+            </a:endParaRPr>
           </a:p>
           <a:p>
             <a:pPr algn="ctr"/>
@@ -5214,6 +5514,11 @@
               </a:rPr>
               <a:t>Registry</a:t>
             </a:r>
+            <a:endParaRPr lang="en-US" altLang="zh-CN" sz="2800" dirty="0">
+              <a:solidFill>
+                <a:schemeClr val="tx1"/>
+              </a:solidFill>
+            </a:endParaRPr>
           </a:p>
           <a:p>
             <a:pPr algn="ctr"/>
@@ -5233,6 +5538,11 @@
               </a:rPr>
               <a:t>Load</a:t>
             </a:r>
+            <a:endParaRPr lang="en-US" altLang="zh-CN" sz="2800" dirty="0">
+              <a:solidFill>
+                <a:schemeClr val="tx1"/>
+              </a:solidFill>
+            </a:endParaRPr>
           </a:p>
           <a:p>
             <a:pPr algn="ctr"/>
@@ -5244,6 +5554,11 @@
               </a:rPr>
               <a:t>Balance</a:t>
             </a:r>
+            <a:endParaRPr lang="en-US" altLang="zh-CN" sz="2800" dirty="0">
+              <a:solidFill>
+                <a:schemeClr val="tx1"/>
+              </a:solidFill>
+            </a:endParaRPr>
           </a:p>
           <a:p>
             <a:pPr algn="ctr"/>
@@ -6323,6 +6638,12 @@
               </a:rPr>
               <a:t>config</a:t>
             </a:r>
+            <a:endParaRPr lang="en-US" altLang="zh-CN" sz="1400">
+              <a:solidFill>
+                <a:schemeClr val="tx1"/>
+              </a:solidFill>
+              <a:sym typeface="+mn-ea"/>
+            </a:endParaRPr>
           </a:p>
         </p:txBody>
       </p:sp>
@@ -6384,6 +6705,12 @@
               </a:rPr>
               <a:t>price</a:t>
             </a:r>
+            <a:endParaRPr lang="en-US" altLang="zh-CN" sz="1400">
+              <a:solidFill>
+                <a:schemeClr val="tx1"/>
+              </a:solidFill>
+              <a:sym typeface="+mn-ea"/>
+            </a:endParaRPr>
           </a:p>
         </p:txBody>
       </p:sp>
@@ -6445,6 +6772,12 @@
               </a:rPr>
               <a:t>verify</a:t>
             </a:r>
+            <a:endParaRPr lang="en-US" altLang="zh-CN" sz="1200">
+              <a:solidFill>
+                <a:schemeClr val="tx1"/>
+              </a:solidFill>
+              <a:sym typeface="+mn-ea"/>
+            </a:endParaRPr>
           </a:p>
           <a:p>
             <a:pPr lvl="0" algn="ctr"/>
@@ -6457,6 +6790,12 @@
               </a:rPr>
               <a:t>code</a:t>
             </a:r>
+            <a:endParaRPr lang="en-US" altLang="zh-CN" sz="1200">
+              <a:solidFill>
+                <a:schemeClr val="tx1"/>
+              </a:solidFill>
+              <a:sym typeface="+mn-ea"/>
+            </a:endParaRPr>
           </a:p>
         </p:txBody>
       </p:sp>
@@ -6518,6 +6857,12 @@
               </a:rPr>
               <a:t>contact</a:t>
             </a:r>
+            <a:endParaRPr lang="en-US" altLang="zh-CN" sz="1400">
+              <a:solidFill>
+                <a:schemeClr val="tx1"/>
+              </a:solidFill>
+              <a:sym typeface="+mn-ea"/>
+            </a:endParaRPr>
           </a:p>
         </p:txBody>
       </p:sp>
@@ -6579,6 +6924,12 @@
               </a:rPr>
               <a:t>train</a:t>
             </a:r>
+            <a:endParaRPr lang="en-US" altLang="zh-CN" sz="1400" dirty="0">
+              <a:solidFill>
+                <a:schemeClr val="tx1"/>
+              </a:solidFill>
+              <a:sym typeface="+mn-ea"/>
+            </a:endParaRPr>
           </a:p>
         </p:txBody>
       </p:sp>
@@ -6640,6 +6991,12 @@
               </a:rPr>
               <a:t>station</a:t>
             </a:r>
+            <a:endParaRPr lang="en-US" altLang="zh-CN" sz="1400" dirty="0">
+              <a:solidFill>
+                <a:schemeClr val="tx1"/>
+              </a:solidFill>
+              <a:sym typeface="+mn-ea"/>
+            </a:endParaRPr>
           </a:p>
         </p:txBody>
       </p:sp>
@@ -6701,6 +7058,12 @@
               </a:rPr>
               <a:t>single</a:t>
             </a:r>
+            <a:endParaRPr lang="en-US" altLang="zh-CN" sz="1200">
+              <a:solidFill>
+                <a:schemeClr val="tx1"/>
+              </a:solidFill>
+              <a:sym typeface="+mn-ea"/>
+            </a:endParaRPr>
           </a:p>
           <a:p>
             <a:pPr lvl="0" algn="ctr"/>
@@ -6713,6 +7076,12 @@
               </a:rPr>
               <a:t> sign-on</a:t>
             </a:r>
+            <a:endParaRPr lang="en-US" altLang="zh-CN" sz="1200">
+              <a:solidFill>
+                <a:schemeClr val="tx1"/>
+              </a:solidFill>
+              <a:sym typeface="+mn-ea"/>
+            </a:endParaRPr>
           </a:p>
         </p:txBody>
       </p:sp>
@@ -6774,6 +7143,12 @@
               </a:rPr>
               <a:t>basic</a:t>
             </a:r>
+            <a:endParaRPr lang="en-US" altLang="zh-CN" sz="1200" dirty="0">
+              <a:solidFill>
+                <a:schemeClr val="tx1"/>
+              </a:solidFill>
+              <a:sym typeface="+mn-ea"/>
+            </a:endParaRPr>
           </a:p>
           <a:p>
             <a:pPr lvl="0" algn="ctr"/>
@@ -6786,6 +7161,12 @@
               </a:rPr>
               <a:t>info</a:t>
             </a:r>
+            <a:endParaRPr lang="en-US" altLang="zh-CN" sz="1200" dirty="0">
+              <a:solidFill>
+                <a:schemeClr val="tx1"/>
+              </a:solidFill>
+              <a:sym typeface="+mn-ea"/>
+            </a:endParaRPr>
           </a:p>
         </p:txBody>
       </p:sp>
@@ -6847,6 +7228,12 @@
               </a:rPr>
               <a:t>login</a:t>
             </a:r>
+            <a:endParaRPr lang="en-US" altLang="zh-CN" sz="1400">
+              <a:solidFill>
+                <a:schemeClr val="tx1"/>
+              </a:solidFill>
+              <a:sym typeface="+mn-ea"/>
+            </a:endParaRPr>
           </a:p>
         </p:txBody>
       </p:sp>
@@ -6908,6 +7295,12 @@
               </a:rPr>
               <a:t>register</a:t>
             </a:r>
+            <a:endParaRPr lang="en-US" altLang="zh-CN" sz="1400" dirty="0">
+              <a:solidFill>
+                <a:schemeClr val="tx1"/>
+              </a:solidFill>
+              <a:sym typeface="+mn-ea"/>
+            </a:endParaRPr>
           </a:p>
         </p:txBody>
       </p:sp>
@@ -6969,6 +7362,12 @@
               </a:rPr>
               <a:t>notify</a:t>
             </a:r>
+            <a:endParaRPr lang="en-US" altLang="zh-CN" sz="1400">
+              <a:solidFill>
+                <a:schemeClr val="tx1"/>
+              </a:solidFill>
+              <a:sym typeface="+mn-ea"/>
+            </a:endParaRPr>
           </a:p>
         </p:txBody>
       </p:sp>
@@ -7030,6 +7429,12 @@
               </a:rPr>
               <a:t>ticket</a:t>
             </a:r>
+            <a:endParaRPr lang="en-US" altLang="zh-CN" sz="1200" dirty="0">
+              <a:solidFill>
+                <a:schemeClr val="tx1"/>
+              </a:solidFill>
+              <a:sym typeface="+mn-ea"/>
+            </a:endParaRPr>
           </a:p>
           <a:p>
             <a:pPr lvl="0" algn="ctr"/>
@@ -7042,6 +7447,12 @@
               </a:rPr>
               <a:t>info</a:t>
             </a:r>
+            <a:endParaRPr lang="en-US" altLang="zh-CN" sz="1200" dirty="0">
+              <a:solidFill>
+                <a:schemeClr val="tx1"/>
+              </a:solidFill>
+              <a:sym typeface="+mn-ea"/>
+            </a:endParaRPr>
           </a:p>
         </p:txBody>
       </p:sp>
@@ -7103,6 +7514,12 @@
               </a:rPr>
               <a:t>high-speed</a:t>
             </a:r>
+            <a:endParaRPr lang="en-US" altLang="zh-CN" sz="1200" dirty="0">
+              <a:solidFill>
+                <a:schemeClr val="tx1"/>
+              </a:solidFill>
+              <a:sym typeface="+mn-ea"/>
+            </a:endParaRPr>
           </a:p>
           <a:p>
             <a:pPr lvl="0" algn="ctr"/>
@@ -7115,6 +7532,12 @@
               </a:rPr>
               <a:t>order</a:t>
             </a:r>
+            <a:endParaRPr lang="en-US" altLang="zh-CN" sz="1200" dirty="0">
+              <a:solidFill>
+                <a:schemeClr val="tx1"/>
+              </a:solidFill>
+              <a:sym typeface="+mn-ea"/>
+            </a:endParaRPr>
           </a:p>
         </p:txBody>
       </p:sp>
@@ -7176,6 +7599,12 @@
               </a:rPr>
               <a:t>high-speed</a:t>
             </a:r>
+            <a:endParaRPr lang="en-US" altLang="zh-CN" sz="1000" dirty="0">
+              <a:solidFill>
+                <a:schemeClr val="tx1"/>
+              </a:solidFill>
+              <a:sym typeface="+mn-ea"/>
+            </a:endParaRPr>
           </a:p>
           <a:p>
             <a:pPr lvl="0" algn="ctr"/>
@@ -7188,6 +7617,12 @@
               </a:rPr>
               <a:t>travel</a:t>
             </a:r>
+            <a:endParaRPr lang="en-US" altLang="zh-CN" sz="1000" dirty="0">
+              <a:solidFill>
+                <a:schemeClr val="tx1"/>
+              </a:solidFill>
+              <a:sym typeface="+mn-ea"/>
+            </a:endParaRPr>
           </a:p>
           <a:p>
             <a:pPr lvl="0" algn="ctr"/>
@@ -7200,6 +7635,12 @@
               </a:rPr>
               <a:t>explore</a:t>
             </a:r>
+            <a:endParaRPr lang="en-US" altLang="zh-CN" sz="1000" dirty="0">
+              <a:solidFill>
+                <a:schemeClr val="tx1"/>
+              </a:solidFill>
+              <a:sym typeface="+mn-ea"/>
+            </a:endParaRPr>
           </a:p>
         </p:txBody>
       </p:sp>
@@ -7261,6 +7702,12 @@
               </a:rPr>
               <a:t>inside</a:t>
             </a:r>
+            <a:endParaRPr lang="en-US" altLang="zh-CN" sz="1200" dirty="0">
+              <a:solidFill>
+                <a:schemeClr val="tx1"/>
+              </a:solidFill>
+              <a:sym typeface="+mn-ea"/>
+            </a:endParaRPr>
           </a:p>
           <a:p>
             <a:pPr lvl="0" algn="ctr"/>
@@ -7273,6 +7720,12 @@
               </a:rPr>
               <a:t>pay</a:t>
             </a:r>
+            <a:endParaRPr lang="en-US" altLang="zh-CN" sz="1200" dirty="0">
+              <a:solidFill>
+                <a:schemeClr val="tx1"/>
+              </a:solidFill>
+              <a:sym typeface="+mn-ea"/>
+            </a:endParaRPr>
           </a:p>
         </p:txBody>
       </p:sp>
@@ -7334,6 +7787,12 @@
               </a:rPr>
               <a:t>pay</a:t>
             </a:r>
+            <a:endParaRPr lang="en-US" altLang="zh-CN" sz="1400" dirty="0">
+              <a:solidFill>
+                <a:schemeClr val="tx1"/>
+              </a:solidFill>
+              <a:sym typeface="+mn-ea"/>
+            </a:endParaRPr>
           </a:p>
         </p:txBody>
       </p:sp>
@@ -7395,6 +7854,12 @@
               </a:rPr>
               <a:t>ticket</a:t>
             </a:r>
+            <a:endParaRPr lang="en-US" altLang="zh-CN" sz="1200" dirty="0">
+              <a:solidFill>
+                <a:schemeClr val="tx1"/>
+              </a:solidFill>
+              <a:sym typeface="+mn-ea"/>
+            </a:endParaRPr>
           </a:p>
           <a:p>
             <a:pPr lvl="0" algn="ctr"/>
@@ -7407,6 +7872,12 @@
               </a:rPr>
               <a:t>execute</a:t>
             </a:r>
+            <a:endParaRPr lang="en-US" altLang="zh-CN" sz="1200" dirty="0">
+              <a:solidFill>
+                <a:schemeClr val="tx1"/>
+              </a:solidFill>
+              <a:sym typeface="+mn-ea"/>
+            </a:endParaRPr>
           </a:p>
         </p:txBody>
       </p:sp>
@@ -7468,6 +7939,12 @@
               </a:rPr>
               <a:t>security</a:t>
             </a:r>
+            <a:endParaRPr lang="en-US" altLang="zh-CN" sz="1400">
+              <a:solidFill>
+                <a:schemeClr val="tx1"/>
+              </a:solidFill>
+              <a:sym typeface="+mn-ea"/>
+            </a:endParaRPr>
           </a:p>
         </p:txBody>
       </p:sp>
@@ -7529,6 +8006,12 @@
               </a:rPr>
               <a:t>ticket </a:t>
             </a:r>
+            <a:endParaRPr lang="en-US" altLang="zh-CN" sz="1200" dirty="0">
+              <a:solidFill>
+                <a:schemeClr val="tx1"/>
+              </a:solidFill>
+              <a:sym typeface="+mn-ea"/>
+            </a:endParaRPr>
           </a:p>
           <a:p>
             <a:pPr lvl="0" algn="ctr"/>
@@ -7541,6 +8024,12 @@
               </a:rPr>
               <a:t>rebook</a:t>
             </a:r>
+            <a:endParaRPr lang="en-US" altLang="zh-CN" sz="1200" dirty="0">
+              <a:solidFill>
+                <a:schemeClr val="tx1"/>
+              </a:solidFill>
+              <a:sym typeface="+mn-ea"/>
+            </a:endParaRPr>
           </a:p>
         </p:txBody>
       </p:sp>
@@ -7601,6 +8090,11 @@
               </a:rPr>
               <a:t>high-speed</a:t>
             </a:r>
+            <a:endParaRPr lang="en-US" altLang="zh-CN" sz="1100" dirty="0">
+              <a:solidFill>
+                <a:schemeClr val="tx1"/>
+              </a:solidFill>
+            </a:endParaRPr>
           </a:p>
           <a:p>
             <a:pPr algn="ctr"/>
@@ -7612,6 +8106,11 @@
               </a:rPr>
               <a:t>ticket</a:t>
             </a:r>
+            <a:endParaRPr lang="en-US" altLang="zh-CN" sz="1100" dirty="0">
+              <a:solidFill>
+                <a:schemeClr val="tx1"/>
+              </a:solidFill>
+            </a:endParaRPr>
           </a:p>
           <a:p>
             <a:pPr algn="ctr"/>
@@ -7623,6 +8122,11 @@
               </a:rPr>
               <a:t>reserve</a:t>
             </a:r>
+            <a:endParaRPr lang="en-US" altLang="zh-CN" sz="1100" dirty="0">
+              <a:solidFill>
+                <a:schemeClr val="tx1"/>
+              </a:solidFill>
+            </a:endParaRPr>
           </a:p>
         </p:txBody>
       </p:sp>
@@ -7684,6 +8188,12 @@
               </a:rPr>
               <a:t>order</a:t>
             </a:r>
+            <a:endParaRPr lang="en-US" altLang="zh-CN" sz="1400" dirty="0">
+              <a:solidFill>
+                <a:schemeClr val="tx1"/>
+              </a:solidFill>
+              <a:sym typeface="+mn-ea"/>
+            </a:endParaRPr>
           </a:p>
         </p:txBody>
       </p:sp>
@@ -7744,6 +8254,11 @@
               </a:rPr>
               <a:t>ticket</a:t>
             </a:r>
+            <a:endParaRPr lang="en-US" altLang="zh-CN" sz="1400" dirty="0">
+              <a:solidFill>
+                <a:schemeClr val="tx1"/>
+              </a:solidFill>
+            </a:endParaRPr>
           </a:p>
           <a:p>
             <a:pPr algn="ctr"/>
@@ -7822,6 +8337,12 @@
               </a:rPr>
               <a:t>travel</a:t>
             </a:r>
+            <a:endParaRPr lang="en-US" altLang="zh-CN" sz="1400" dirty="0">
+              <a:solidFill>
+                <a:schemeClr val="tx1"/>
+              </a:solidFill>
+              <a:sym typeface="+mn-ea"/>
+            </a:endParaRPr>
           </a:p>
           <a:p>
             <a:pPr lvl="0" algn="ctr"/>
@@ -7834,6 +8355,12 @@
               </a:rPr>
               <a:t>explore</a:t>
             </a:r>
+            <a:endParaRPr lang="en-US" altLang="zh-CN" sz="1400" dirty="0">
+              <a:solidFill>
+                <a:schemeClr val="tx1"/>
+              </a:solidFill>
+              <a:sym typeface="+mn-ea"/>
+            </a:endParaRPr>
           </a:p>
         </p:txBody>
       </p:sp>
@@ -7895,6 +8422,12 @@
               </a:rPr>
               <a:t>cancel</a:t>
             </a:r>
+            <a:endParaRPr lang="en-US" altLang="zh-CN" sz="1200" dirty="0">
+              <a:solidFill>
+                <a:schemeClr val="tx1"/>
+              </a:solidFill>
+              <a:sym typeface="+mn-ea"/>
+            </a:endParaRPr>
           </a:p>
           <a:p>
             <a:pPr lvl="0" algn="ctr"/>
@@ -7907,6 +8440,12 @@
               </a:rPr>
               <a:t>order</a:t>
             </a:r>
+            <a:endParaRPr lang="en-US" altLang="zh-CN" sz="1200" dirty="0">
+              <a:solidFill>
+                <a:schemeClr val="tx1"/>
+              </a:solidFill>
+              <a:sym typeface="+mn-ea"/>
+            </a:endParaRPr>
           </a:p>
         </p:txBody>
       </p:sp>
@@ -8890,8 +9429,8 @@
         </p:nvSpPr>
         <p:spPr>
           <a:xfrm>
-            <a:off x="4077002" y="1213467"/>
-            <a:ext cx="1108989" cy="776084"/>
+            <a:off x="3570605" y="886460"/>
+            <a:ext cx="1614805" cy="1102995"/>
           </a:xfrm>
           <a:prstGeom prst="flowChartPreparation">
             <a:avLst/>
@@ -8942,6 +9481,24 @@
               </a:rPr>
               <a:t>Travel admin</a:t>
             </a:r>
+            <a:endParaRPr lang="en-US" altLang="zh-CN" sz="1400" smtClean="0">
+              <a:solidFill>
+                <a:schemeClr val="tx1"/>
+              </a:solidFill>
+              <a:sym typeface="+mn-ea"/>
+            </a:endParaRPr>
+          </a:p>
+          <a:p>
+            <a:pPr lvl="0" algn="ctr"/>
+            <a:r>
+              <a:rPr lang="en-US" altLang="zh-CN" sz="1400" dirty="0">
+                <a:solidFill>
+                  <a:schemeClr val="tx1"/>
+                </a:solidFill>
+                <a:sym typeface="+mn-ea"/>
+              </a:rPr>
+              <a:t>(ticket price)</a:t>
+            </a:r>
             <a:endParaRPr lang="en-US" altLang="zh-CN" sz="1400" dirty="0">
               <a:solidFill>
                 <a:schemeClr val="tx1"/>
@@ -8959,7 +9516,7 @@
         </p:nvSpPr>
         <p:spPr>
           <a:xfrm>
-            <a:off x="5341200" y="5984094"/>
+            <a:off x="7248105" y="6097759"/>
             <a:ext cx="1227887" cy="617874"/>
           </a:xfrm>
           <a:prstGeom prst="flowChartPreparation">
@@ -9046,9 +9603,9 @@
           <p:nvPr/>
         </p:nvCxnSpPr>
         <p:spPr>
-          <a:xfrm flipV="1">
-            <a:off x="5955144" y="5781232"/>
-            <a:ext cx="756014" cy="202862"/>
+          <a:xfrm flipH="1" flipV="1">
+            <a:off x="6711429" y="5781529"/>
+            <a:ext cx="1150620" cy="316230"/>
           </a:xfrm>
           <a:prstGeom prst="straightConnector1">
             <a:avLst/>
@@ -9083,8 +9640,8 @@
         </p:nvCxnSpPr>
         <p:spPr>
           <a:xfrm flipH="1" flipV="1">
-            <a:off x="5903094" y="5782532"/>
-            <a:ext cx="52050" cy="201562"/>
+            <a:off x="5903074" y="5782799"/>
+            <a:ext cx="1958975" cy="314960"/>
           </a:xfrm>
           <a:prstGeom prst="straightConnector1">
             <a:avLst/>
@@ -9119,8 +9676,8 @@
         </p:nvCxnSpPr>
         <p:spPr>
           <a:xfrm>
-            <a:off x="5185991" y="1601509"/>
-            <a:ext cx="2362660" cy="559458"/>
+            <a:off x="5185356" y="1438314"/>
+            <a:ext cx="2363470" cy="722630"/>
           </a:xfrm>
           <a:prstGeom prst="straightConnector1">
             <a:avLst/>
@@ -9155,8 +9712,8 @@
         </p:nvCxnSpPr>
         <p:spPr>
           <a:xfrm>
-            <a:off x="5185991" y="1601509"/>
-            <a:ext cx="3317302" cy="572842"/>
+            <a:off x="5185356" y="1438314"/>
+            <a:ext cx="3317875" cy="735965"/>
           </a:xfrm>
           <a:prstGeom prst="straightConnector1">
             <a:avLst/>
@@ -9188,14 +9745,14 @@
         </p:nvSpPr>
         <p:spPr>
           <a:xfrm>
-            <a:off x="10466175" y="1758467"/>
+            <a:off x="10636990" y="1866417"/>
             <a:ext cx="854654" cy="319184"/>
           </a:xfrm>
           <a:prstGeom prst="flowChartPreparation">
             <a:avLst/>
           </a:prstGeom>
           <a:solidFill>
-            <a:srgbClr val="FFC000"/>
+            <a:schemeClr val="accent6"/>
           </a:solidFill>
           <a:ln w="28575">
             <a:solidFill>
@@ -9260,8 +9817,8 @@
         </p:nvCxnSpPr>
         <p:spPr>
           <a:xfrm flipV="1">
-            <a:off x="7548651" y="1918059"/>
-            <a:ext cx="2917524" cy="242908"/>
+            <a:off x="7548651" y="2026347"/>
+            <a:ext cx="3088005" cy="134620"/>
           </a:xfrm>
           <a:prstGeom prst="straightConnector1">
             <a:avLst/>
@@ -9300,7 +9857,7 @@
             <a:avLst/>
           </a:prstGeom>
           <a:solidFill>
-            <a:srgbClr val="FFC000"/>
+            <a:schemeClr val="accent6"/>
           </a:solidFill>
           <a:ln w="28575">
             <a:solidFill>
@@ -9421,7 +9978,7 @@
             <a:avLst/>
           </a:prstGeom>
           <a:solidFill>
-            <a:srgbClr val="FFC000"/>
+            <a:schemeClr val="accent6"/>
           </a:solidFill>
           <a:ln w="28575">
             <a:solidFill>
@@ -9519,8 +10076,8 @@
         </p:nvSpPr>
         <p:spPr>
           <a:xfrm>
-            <a:off x="9845343" y="648949"/>
-            <a:ext cx="792020" cy="368490"/>
+            <a:off x="9560560" y="659765"/>
+            <a:ext cx="908050" cy="368300"/>
           </a:xfrm>
           <a:prstGeom prst="flowChartPreparation">
             <a:avLst/>
@@ -9569,7 +10126,7 @@
                 </a:solidFill>
                 <a:sym typeface="+mn-ea"/>
               </a:rPr>
-              <a:t>news</a:t>
+              <a:t>news(go)</a:t>
             </a:r>
             <a:endParaRPr lang="en-US" altLang="zh-CN" sz="1400" dirty="0" smtClean="0">
               <a:solidFill>
@@ -9590,8 +10147,8 @@
         </p:nvCxnSpPr>
         <p:spPr>
           <a:xfrm>
-            <a:off x="8725633" y="290068"/>
-            <a:ext cx="1515720" cy="358881"/>
+            <a:off x="8808085" y="287020"/>
+            <a:ext cx="1206500" cy="372745"/>
           </a:xfrm>
           <a:prstGeom prst="bentConnector2">
             <a:avLst/>
@@ -9749,8 +10306,8 @@
         </p:nvCxnSpPr>
         <p:spPr>
           <a:xfrm flipH="1">
-            <a:off x="7548651" y="1017439"/>
-            <a:ext cx="2692702" cy="1143528"/>
+            <a:off x="7548953" y="1028234"/>
+            <a:ext cx="2465705" cy="1132840"/>
           </a:xfrm>
           <a:prstGeom prst="straightConnector1">
             <a:avLst/>
@@ -9782,8 +10339,8 @@
         </p:nvSpPr>
         <p:spPr>
           <a:xfrm>
-            <a:off x="3886753" y="3385896"/>
-            <a:ext cx="1108989" cy="776084"/>
+            <a:off x="147320" y="2940050"/>
+            <a:ext cx="2157095" cy="775970"/>
           </a:xfrm>
           <a:prstGeom prst="flowChartPreparation">
             <a:avLst/>
@@ -9826,7 +10383,7 @@
           <a:p>
             <a:pPr lvl="0" algn="ctr"/>
             <a:r>
-              <a:rPr lang="en-US" altLang="zh-CN" sz="1100" dirty="0" smtClean="0">
+              <a:rPr lang="en-US" altLang="zh-CN" sz="1600" dirty="0" smtClean="0">
                 <a:solidFill>
                   <a:schemeClr val="tx1"/>
                 </a:solidFill>
@@ -9834,7 +10391,25 @@
               </a:rPr>
               <a:t>Advanced travel</a:t>
             </a:r>
-            <a:endParaRPr lang="en-US" altLang="zh-CN" sz="1100" dirty="0">
+            <a:endParaRPr lang="en-US" altLang="zh-CN" sz="1600" dirty="0" smtClean="0">
+              <a:solidFill>
+                <a:schemeClr val="tx1"/>
+              </a:solidFill>
+              <a:sym typeface="+mn-ea"/>
+            </a:endParaRPr>
+          </a:p>
+          <a:p>
+            <a:pPr lvl="0" algn="ctr"/>
+            <a:r>
+              <a:rPr lang="en-US" altLang="zh-CN" sz="1600" dirty="0" smtClean="0">
+                <a:solidFill>
+                  <a:schemeClr val="tx1"/>
+                </a:solidFill>
+                <a:sym typeface="+mn-ea"/>
+              </a:rPr>
+              <a:t>(route info + ticket)</a:t>
+            </a:r>
+            <a:endParaRPr lang="en-US" altLang="zh-CN" sz="1600" dirty="0" smtClean="0">
               <a:solidFill>
                 <a:schemeClr val="tx1"/>
               </a:solidFill>
@@ -9854,8 +10429,8 @@
         </p:nvCxnSpPr>
         <p:spPr>
           <a:xfrm flipV="1">
-            <a:off x="4995742" y="2849093"/>
-            <a:ext cx="2552909" cy="924845"/>
+            <a:off x="2304612" y="2849378"/>
+            <a:ext cx="5244465" cy="478790"/>
           </a:xfrm>
           <a:prstGeom prst="straightConnector1">
             <a:avLst/>
@@ -9884,14 +10459,14 @@
           <p:cNvPr id="82" name="Straight Arrow Connector 81"/>
           <p:cNvCxnSpPr>
             <a:stCxn id="77" idx="3"/>
-            <a:endCxn id="28" idx="2"/>
+            <a:endCxn id="30" idx="1"/>
           </p:cNvCxnSpPr>
           <p:nvPr/>
         </p:nvCxnSpPr>
         <p:spPr>
-          <a:xfrm flipV="1">
-            <a:off x="4995742" y="2862477"/>
-            <a:ext cx="3507551" cy="911461"/>
+          <a:xfrm>
+            <a:off x="2304415" y="3328035"/>
+            <a:ext cx="379095" cy="577850"/>
           </a:xfrm>
           <a:prstGeom prst="straightConnector1">
             <a:avLst/>
@@ -9915,12 +10490,1567 @@
           </a:fontRef>
         </p:style>
       </p:cxnSp>
+      <p:sp>
+        <p:nvSpPr>
+          <p:cNvPr id="25" name="流程图: 准备 19"/>
+          <p:cNvSpPr/>
+          <p:nvPr/>
+        </p:nvSpPr>
+        <p:spPr>
+          <a:xfrm>
+            <a:off x="4667885" y="5984240"/>
+            <a:ext cx="1584960" cy="731520"/>
+          </a:xfrm>
+          <a:prstGeom prst="flowChartPreparation">
+            <a:avLst/>
+          </a:prstGeom>
+          <a:solidFill>
+            <a:srgbClr val="FFC000"/>
+          </a:solidFill>
+          <a:ln w="28575">
+            <a:solidFill>
+              <a:schemeClr val="tx1"/>
+            </a:solidFill>
+          </a:ln>
+          <a:effectLst>
+            <a:glow>
+              <a:schemeClr val="accent1">
+                <a:alpha val="40000"/>
+              </a:schemeClr>
+            </a:glow>
+          </a:effectLst>
+        </p:spPr>
+        <p:style>
+          <a:lnRef idx="1">
+            <a:schemeClr val="accent6"/>
+          </a:lnRef>
+          <a:fillRef idx="3">
+            <a:schemeClr val="accent6"/>
+          </a:fillRef>
+          <a:effectRef idx="2">
+            <a:schemeClr val="accent6"/>
+          </a:effectRef>
+          <a:fontRef idx="minor">
+            <a:schemeClr val="lt1"/>
+          </a:fontRef>
+        </p:style>
+        <p:txBody>
+          <a:bodyPr vertOverflow="overflow" horzOverflow="overflow" vert="horz" wrap="none" lIns="0" tIns="0" rIns="0" bIns="0" numCol="1" spcCol="0" rtlCol="0" fromWordArt="0" anchor="ctr" anchorCtr="0" forceAA="0" compatLnSpc="1">
+            <a:normAutofit/>
+          </a:bodyPr>
+          <a:p>
+            <a:pPr lvl="0" algn="ctr"/>
+            <a:r>
+              <a:rPr lang="en-US" altLang="zh-CN" sz="1400" dirty="0">
+                <a:solidFill>
+                  <a:schemeClr val="tx1"/>
+                </a:solidFill>
+                <a:sym typeface="+mn-ea"/>
+              </a:rPr>
+              <a:t>customer support</a:t>
+            </a:r>
+            <a:endParaRPr lang="en-US" altLang="zh-CN" sz="1400" dirty="0">
+              <a:solidFill>
+                <a:schemeClr val="tx1"/>
+              </a:solidFill>
+              <a:sym typeface="+mn-ea"/>
+            </a:endParaRPr>
+          </a:p>
+        </p:txBody>
+      </p:sp>
+      <p:sp>
+        <p:nvSpPr>
+          <p:cNvPr id="30" name="流程图: 准备 19"/>
+          <p:cNvSpPr/>
+          <p:nvPr/>
+        </p:nvSpPr>
+        <p:spPr>
+          <a:xfrm>
+            <a:off x="2683510" y="3517900"/>
+            <a:ext cx="2657475" cy="775970"/>
+          </a:xfrm>
+          <a:prstGeom prst="flowChartPreparation">
+            <a:avLst/>
+          </a:prstGeom>
+          <a:solidFill>
+            <a:srgbClr val="FFC000"/>
+          </a:solidFill>
+          <a:ln w="28575">
+            <a:solidFill>
+              <a:schemeClr val="tx1"/>
+            </a:solidFill>
+          </a:ln>
+          <a:effectLst>
+            <a:glow>
+              <a:schemeClr val="accent1">
+                <a:alpha val="40000"/>
+              </a:schemeClr>
+            </a:glow>
+          </a:effectLst>
+        </p:spPr>
+        <p:style>
+          <a:lnRef idx="1">
+            <a:schemeClr val="accent6"/>
+          </a:lnRef>
+          <a:fillRef idx="3">
+            <a:schemeClr val="accent6"/>
+          </a:fillRef>
+          <a:effectRef idx="2">
+            <a:schemeClr val="accent6"/>
+          </a:effectRef>
+          <a:fontRef idx="minor">
+            <a:schemeClr val="lt1"/>
+          </a:fontRef>
+        </p:style>
+        <p:txBody>
+          <a:bodyPr vertOverflow="overflow" horzOverflow="overflow" vert="horz" wrap="none" lIns="0" tIns="0" rIns="0" bIns="0" numCol="1" spcCol="0" rtlCol="0" fromWordArt="0" anchor="ctr" anchorCtr="0" forceAA="0" compatLnSpc="1">
+            <a:normAutofit/>
+          </a:bodyPr>
+          <a:p>
+            <a:pPr lvl="0" algn="ctr"/>
+            <a:r>
+              <a:rPr lang="en-US" altLang="zh-CN" sz="1600" dirty="0" smtClean="0">
+                <a:solidFill>
+                  <a:schemeClr val="tx1"/>
+                </a:solidFill>
+                <a:sym typeface="+mn-ea"/>
+              </a:rPr>
+              <a:t>route plan</a:t>
+            </a:r>
+            <a:endParaRPr lang="en-US" altLang="zh-CN" sz="1600" dirty="0" smtClean="0">
+              <a:solidFill>
+                <a:schemeClr val="tx1"/>
+              </a:solidFill>
+              <a:sym typeface="+mn-ea"/>
+            </a:endParaRPr>
+          </a:p>
+          <a:p>
+            <a:pPr lvl="0" algn="ctr"/>
+            <a:r>
+              <a:rPr lang="en-US" altLang="zh-CN" sz="1600" dirty="0" smtClean="0">
+                <a:solidFill>
+                  <a:schemeClr val="tx1"/>
+                </a:solidFill>
+                <a:sym typeface="+mn-ea"/>
+              </a:rPr>
+              <a:t>(price, change, time)</a:t>
+            </a:r>
+            <a:endParaRPr lang="en-US" altLang="zh-CN" sz="1600" dirty="0" smtClean="0">
+              <a:solidFill>
+                <a:schemeClr val="tx1"/>
+              </a:solidFill>
+              <a:sym typeface="+mn-ea"/>
+            </a:endParaRPr>
+          </a:p>
+        </p:txBody>
+      </p:sp>
+      <p:sp>
+        <p:nvSpPr>
+          <p:cNvPr id="31" name="流程图: 准备 19"/>
+          <p:cNvSpPr/>
+          <p:nvPr/>
+        </p:nvSpPr>
+        <p:spPr>
+          <a:xfrm>
+            <a:off x="10841990" y="544195"/>
+            <a:ext cx="1138555" cy="688340"/>
+          </a:xfrm>
+          <a:prstGeom prst="flowChartPreparation">
+            <a:avLst/>
+          </a:prstGeom>
+          <a:solidFill>
+            <a:srgbClr val="FFC000"/>
+          </a:solidFill>
+          <a:ln w="28575">
+            <a:solidFill>
+              <a:schemeClr val="tx1"/>
+            </a:solidFill>
+          </a:ln>
+          <a:effectLst>
+            <a:glow>
+              <a:schemeClr val="accent1">
+                <a:alpha val="40000"/>
+              </a:schemeClr>
+            </a:glow>
+          </a:effectLst>
+        </p:spPr>
+        <p:style>
+          <a:lnRef idx="1">
+            <a:schemeClr val="accent6"/>
+          </a:lnRef>
+          <a:fillRef idx="3">
+            <a:schemeClr val="accent6"/>
+          </a:fillRef>
+          <a:effectRef idx="2">
+            <a:schemeClr val="accent6"/>
+          </a:effectRef>
+          <a:fontRef idx="minor">
+            <a:schemeClr val="lt1"/>
+          </a:fontRef>
+        </p:style>
+        <p:txBody>
+          <a:bodyPr vertOverflow="overflow" horzOverflow="overflow" vert="horz" wrap="none" lIns="0" tIns="0" rIns="0" bIns="0" numCol="1" spcCol="0" rtlCol="0" fromWordArt="0" anchor="ctr" anchorCtr="0" forceAA="0" compatLnSpc="1">
+            <a:normAutofit/>
+          </a:bodyPr>
+          <a:p>
+            <a:pPr lvl="0" algn="ctr"/>
+            <a:r>
+              <a:rPr lang="en-US" altLang="zh-CN" sz="1400" dirty="0">
+                <a:solidFill>
+                  <a:schemeClr val="tx1"/>
+                </a:solidFill>
+                <a:sym typeface="+mn-ea"/>
+              </a:rPr>
+              <a:t>ticket office</a:t>
+            </a:r>
+            <a:endParaRPr lang="en-US" altLang="zh-CN" sz="1400" dirty="0">
+              <a:solidFill>
+                <a:schemeClr val="tx1"/>
+              </a:solidFill>
+              <a:sym typeface="+mn-ea"/>
+            </a:endParaRPr>
+          </a:p>
+          <a:p>
+            <a:pPr lvl="0" algn="ctr"/>
+            <a:r>
+              <a:rPr lang="en-US" altLang="zh-CN" sz="1400" dirty="0">
+                <a:solidFill>
+                  <a:schemeClr val="tx1"/>
+                </a:solidFill>
+                <a:sym typeface="+mn-ea"/>
+              </a:rPr>
+              <a:t>(nodejs)</a:t>
+            </a:r>
+            <a:endParaRPr lang="en-US" altLang="zh-CN" sz="1400" dirty="0">
+              <a:solidFill>
+                <a:schemeClr val="tx1"/>
+              </a:solidFill>
+              <a:sym typeface="+mn-ea"/>
+            </a:endParaRPr>
+          </a:p>
+        </p:txBody>
+      </p:sp>
+      <p:cxnSp>
+        <p:nvCxnSpPr>
+          <p:cNvPr id="32" name="肘形连接符 33"/>
+          <p:cNvCxnSpPr>
+            <a:endCxn id="31" idx="0"/>
+          </p:cNvCxnSpPr>
+          <p:nvPr/>
+        </p:nvCxnSpPr>
+        <p:spPr>
+          <a:xfrm>
+            <a:off x="9965055" y="272415"/>
+            <a:ext cx="1446530" cy="271780"/>
+          </a:xfrm>
+          <a:prstGeom prst="bentConnector2">
+            <a:avLst/>
+          </a:prstGeom>
+          <a:ln w="19050">
+            <a:solidFill>
+              <a:schemeClr val="tx1"/>
+            </a:solidFill>
+            <a:tailEnd type="arrow"/>
+          </a:ln>
+        </p:spPr>
+        <p:style>
+          <a:lnRef idx="1">
+            <a:schemeClr val="accent1"/>
+          </a:lnRef>
+          <a:fillRef idx="0">
+            <a:schemeClr val="accent1"/>
+          </a:fillRef>
+          <a:effectRef idx="0">
+            <a:schemeClr val="accent1"/>
+          </a:effectRef>
+          <a:fontRef idx="minor">
+            <a:schemeClr val="tx1"/>
+          </a:fontRef>
+        </p:style>
+      </p:cxnSp>
+      <p:sp>
+        <p:nvSpPr>
+          <p:cNvPr id="33" name="流程图: 准备 19"/>
+          <p:cNvSpPr/>
+          <p:nvPr/>
+        </p:nvSpPr>
+        <p:spPr>
+          <a:xfrm>
+            <a:off x="10758805" y="4791075"/>
+            <a:ext cx="1053465" cy="513080"/>
+          </a:xfrm>
+          <a:prstGeom prst="flowChartPreparation">
+            <a:avLst/>
+          </a:prstGeom>
+          <a:solidFill>
+            <a:srgbClr val="FFC000"/>
+          </a:solidFill>
+          <a:ln w="28575">
+            <a:solidFill>
+              <a:schemeClr val="tx1"/>
+            </a:solidFill>
+          </a:ln>
+          <a:effectLst>
+            <a:glow>
+              <a:schemeClr val="accent1">
+                <a:alpha val="40000"/>
+              </a:schemeClr>
+            </a:glow>
+          </a:effectLst>
+        </p:spPr>
+        <p:style>
+          <a:lnRef idx="1">
+            <a:schemeClr val="accent6"/>
+          </a:lnRef>
+          <a:fillRef idx="3">
+            <a:schemeClr val="accent6"/>
+          </a:fillRef>
+          <a:effectRef idx="2">
+            <a:schemeClr val="accent6"/>
+          </a:effectRef>
+          <a:fontRef idx="minor">
+            <a:schemeClr val="lt1"/>
+          </a:fontRef>
+        </p:style>
+        <p:txBody>
+          <a:bodyPr vertOverflow="overflow" horzOverflow="overflow" vert="horz" wrap="none" lIns="0" tIns="0" rIns="0" bIns="0" numCol="1" spcCol="0" rtlCol="0" fromWordArt="0" anchor="ctr" anchorCtr="0" forceAA="0" compatLnSpc="1">
+            <a:normAutofit/>
+          </a:bodyPr>
+          <a:p>
+            <a:pPr lvl="0" algn="ctr"/>
+            <a:r>
+              <a:rPr lang="en-US" altLang="zh-CN" sz="1400" dirty="0">
+                <a:solidFill>
+                  <a:schemeClr val="tx1"/>
+                </a:solidFill>
+                <a:sym typeface="+mn-ea"/>
+              </a:rPr>
+              <a:t>consign</a:t>
+            </a:r>
+            <a:endParaRPr lang="en-US" altLang="zh-CN" sz="1400" dirty="0">
+              <a:solidFill>
+                <a:schemeClr val="tx1"/>
+              </a:solidFill>
+              <a:sym typeface="+mn-ea"/>
+            </a:endParaRPr>
+          </a:p>
+        </p:txBody>
+      </p:sp>
+      <p:sp>
+        <p:nvSpPr>
+          <p:cNvPr id="37" name="流程图: 准备 19"/>
+          <p:cNvSpPr/>
+          <p:nvPr/>
+        </p:nvSpPr>
+        <p:spPr>
+          <a:xfrm>
+            <a:off x="10687685" y="5784215"/>
+            <a:ext cx="1188085" cy="513080"/>
+          </a:xfrm>
+          <a:prstGeom prst="flowChartPreparation">
+            <a:avLst/>
+          </a:prstGeom>
+          <a:solidFill>
+            <a:srgbClr val="FFC000"/>
+          </a:solidFill>
+          <a:ln w="28575">
+            <a:solidFill>
+              <a:schemeClr val="tx1"/>
+            </a:solidFill>
+          </a:ln>
+          <a:effectLst>
+            <a:glow>
+              <a:schemeClr val="accent1">
+                <a:alpha val="40000"/>
+              </a:schemeClr>
+            </a:glow>
+          </a:effectLst>
+        </p:spPr>
+        <p:style>
+          <a:lnRef idx="1">
+            <a:schemeClr val="accent6"/>
+          </a:lnRef>
+          <a:fillRef idx="3">
+            <a:schemeClr val="accent6"/>
+          </a:fillRef>
+          <a:effectRef idx="2">
+            <a:schemeClr val="accent6"/>
+          </a:effectRef>
+          <a:fontRef idx="minor">
+            <a:schemeClr val="lt1"/>
+          </a:fontRef>
+        </p:style>
+        <p:txBody>
+          <a:bodyPr vertOverflow="overflow" horzOverflow="overflow" vert="horz" wrap="none" lIns="0" tIns="0" rIns="0" bIns="0" numCol="1" spcCol="0" rtlCol="0" fromWordArt="0" anchor="ctr" anchorCtr="0" forceAA="0" compatLnSpc="1">
+            <a:normAutofit/>
+          </a:bodyPr>
+          <a:p>
+            <a:pPr lvl="0" algn="ctr"/>
+            <a:r>
+              <a:rPr lang="en-US" altLang="zh-CN" sz="1400" dirty="0">
+                <a:solidFill>
+                  <a:schemeClr val="tx1"/>
+                </a:solidFill>
+                <a:sym typeface="+mn-ea"/>
+              </a:rPr>
+              <a:t>consign price</a:t>
+            </a:r>
+            <a:endParaRPr lang="en-US" altLang="zh-CN" sz="1400" dirty="0">
+              <a:solidFill>
+                <a:schemeClr val="tx1"/>
+              </a:solidFill>
+              <a:sym typeface="+mn-ea"/>
+            </a:endParaRPr>
+          </a:p>
+        </p:txBody>
+      </p:sp>
+      <p:cxnSp>
+        <p:nvCxnSpPr>
+          <p:cNvPr id="38" name="Straight Arrow Connector 78"/>
+          <p:cNvCxnSpPr>
+            <a:stCxn id="33" idx="0"/>
+            <a:endCxn id="26" idx="3"/>
+          </p:cNvCxnSpPr>
+          <p:nvPr/>
+        </p:nvCxnSpPr>
+        <p:spPr>
+          <a:xfrm flipH="1" flipV="1">
+            <a:off x="10466070" y="3667125"/>
+            <a:ext cx="819785" cy="1123950"/>
+          </a:xfrm>
+          <a:prstGeom prst="straightConnector1">
+            <a:avLst/>
+          </a:prstGeom>
+          <a:ln>
+            <a:tailEnd type="arrow" w="lg" len="lg"/>
+          </a:ln>
+        </p:spPr>
+        <p:style>
+          <a:lnRef idx="1">
+            <a:schemeClr val="accent1"/>
+          </a:lnRef>
+          <a:fillRef idx="0">
+            <a:schemeClr val="accent1"/>
+          </a:fillRef>
+          <a:effectRef idx="0">
+            <a:schemeClr val="accent1"/>
+          </a:effectRef>
+          <a:fontRef idx="minor">
+            <a:schemeClr val="tx1"/>
+          </a:fontRef>
+        </p:style>
+      </p:cxnSp>
+      <p:cxnSp>
+        <p:nvCxnSpPr>
+          <p:cNvPr id="39" name="Straight Arrow Connector 78"/>
+          <p:cNvCxnSpPr>
+            <a:stCxn id="33" idx="2"/>
+            <a:endCxn id="37" idx="0"/>
+          </p:cNvCxnSpPr>
+          <p:nvPr/>
+        </p:nvCxnSpPr>
+        <p:spPr>
+          <a:xfrm flipH="1">
+            <a:off x="11282045" y="5304155"/>
+            <a:ext cx="3810" cy="480060"/>
+          </a:xfrm>
+          <a:prstGeom prst="straightConnector1">
+            <a:avLst/>
+          </a:prstGeom>
+          <a:ln>
+            <a:tailEnd type="arrow" w="lg" len="lg"/>
+          </a:ln>
+        </p:spPr>
+        <p:style>
+          <a:lnRef idx="1">
+            <a:schemeClr val="accent1"/>
+          </a:lnRef>
+          <a:fillRef idx="0">
+            <a:schemeClr val="accent1"/>
+          </a:fillRef>
+          <a:effectRef idx="0">
+            <a:schemeClr val="accent1"/>
+          </a:effectRef>
+          <a:fontRef idx="minor">
+            <a:schemeClr val="tx1"/>
+          </a:fontRef>
+        </p:style>
+      </p:cxnSp>
+      <p:sp>
+        <p:nvSpPr>
+          <p:cNvPr id="42" name="流程图: 准备 19"/>
+          <p:cNvSpPr/>
+          <p:nvPr/>
+        </p:nvSpPr>
+        <p:spPr>
+          <a:xfrm>
+            <a:off x="2966085" y="2336165"/>
+            <a:ext cx="1053465" cy="513080"/>
+          </a:xfrm>
+          <a:prstGeom prst="flowChartPreparation">
+            <a:avLst/>
+          </a:prstGeom>
+          <a:solidFill>
+            <a:srgbClr val="FFC000"/>
+          </a:solidFill>
+          <a:ln w="28575">
+            <a:solidFill>
+              <a:schemeClr val="tx1"/>
+            </a:solidFill>
+          </a:ln>
+          <a:effectLst>
+            <a:glow>
+              <a:schemeClr val="accent1">
+                <a:alpha val="40000"/>
+              </a:schemeClr>
+            </a:glow>
+          </a:effectLst>
+        </p:spPr>
+        <p:style>
+          <a:lnRef idx="1">
+            <a:schemeClr val="accent6"/>
+          </a:lnRef>
+          <a:fillRef idx="3">
+            <a:schemeClr val="accent6"/>
+          </a:fillRef>
+          <a:effectRef idx="2">
+            <a:schemeClr val="accent6"/>
+          </a:effectRef>
+          <a:fontRef idx="minor">
+            <a:schemeClr val="lt1"/>
+          </a:fontRef>
+        </p:style>
+        <p:txBody>
+          <a:bodyPr vertOverflow="overflow" horzOverflow="overflow" vert="horz" wrap="none" lIns="0" tIns="0" rIns="0" bIns="0" numCol="1" spcCol="0" rtlCol="0" fromWordArt="0" anchor="ctr" anchorCtr="0" forceAA="0" compatLnSpc="1">
+            <a:normAutofit/>
+          </a:bodyPr>
+          <a:p>
+            <a:pPr lvl="0" algn="ctr"/>
+            <a:r>
+              <a:rPr lang="en-US" altLang="zh-CN" sz="1400" dirty="0">
+                <a:solidFill>
+                  <a:schemeClr val="tx1"/>
+                </a:solidFill>
+                <a:sym typeface="+mn-ea"/>
+              </a:rPr>
+              <a:t>voucher</a:t>
+            </a:r>
+            <a:endParaRPr lang="en-US" altLang="zh-CN" sz="1400" dirty="0">
+              <a:solidFill>
+                <a:schemeClr val="tx1"/>
+              </a:solidFill>
+              <a:sym typeface="+mn-ea"/>
+            </a:endParaRPr>
+          </a:p>
+        </p:txBody>
+      </p:sp>
+      <p:cxnSp>
+        <p:nvCxnSpPr>
+          <p:cNvPr id="43" name="Straight Arrow Connector 78"/>
+          <p:cNvCxnSpPr>
+            <a:stCxn id="21" idx="1"/>
+            <a:endCxn id="42" idx="3"/>
+          </p:cNvCxnSpPr>
+          <p:nvPr/>
+        </p:nvCxnSpPr>
+        <p:spPr>
+          <a:xfrm flipH="1">
+            <a:off x="4019550" y="2529840"/>
+            <a:ext cx="351790" cy="62865"/>
+          </a:xfrm>
+          <a:prstGeom prst="straightConnector1">
+            <a:avLst/>
+          </a:prstGeom>
+          <a:ln>
+            <a:tailEnd type="arrow" w="lg" len="lg"/>
+          </a:ln>
+        </p:spPr>
+        <p:style>
+          <a:lnRef idx="1">
+            <a:schemeClr val="accent1"/>
+          </a:lnRef>
+          <a:fillRef idx="0">
+            <a:schemeClr val="accent1"/>
+          </a:fillRef>
+          <a:effectRef idx="0">
+            <a:schemeClr val="accent1"/>
+          </a:effectRef>
+          <a:fontRef idx="minor">
+            <a:schemeClr val="tx1"/>
+          </a:fontRef>
+        </p:style>
+      </p:cxnSp>
+      <p:sp>
+        <p:nvSpPr>
+          <p:cNvPr id="44" name="流程图: 准备 19"/>
+          <p:cNvSpPr/>
+          <p:nvPr/>
+        </p:nvSpPr>
+        <p:spPr>
+          <a:xfrm>
+            <a:off x="282575" y="4713605"/>
+            <a:ext cx="1450975" cy="590550"/>
+          </a:xfrm>
+          <a:prstGeom prst="flowChartPreparation">
+            <a:avLst/>
+          </a:prstGeom>
+          <a:solidFill>
+            <a:srgbClr val="FFC000"/>
+          </a:solidFill>
+          <a:ln w="28575">
+            <a:solidFill>
+              <a:schemeClr val="tx1"/>
+            </a:solidFill>
+          </a:ln>
+          <a:effectLst>
+            <a:glow>
+              <a:schemeClr val="accent1">
+                <a:alpha val="40000"/>
+              </a:schemeClr>
+            </a:glow>
+          </a:effectLst>
+        </p:spPr>
+        <p:style>
+          <a:lnRef idx="1">
+            <a:schemeClr val="accent6"/>
+          </a:lnRef>
+          <a:fillRef idx="3">
+            <a:schemeClr val="accent6"/>
+          </a:fillRef>
+          <a:effectRef idx="2">
+            <a:schemeClr val="accent6"/>
+          </a:effectRef>
+          <a:fontRef idx="minor">
+            <a:schemeClr val="lt1"/>
+          </a:fontRef>
+        </p:style>
+        <p:txBody>
+          <a:bodyPr vertOverflow="overflow" horzOverflow="overflow" vert="horz" wrap="none" lIns="0" tIns="0" rIns="0" bIns="0" numCol="1" spcCol="0" rtlCol="0" fromWordArt="0" anchor="ctr" anchorCtr="0" forceAA="0" compatLnSpc="1">
+            <a:normAutofit/>
+          </a:bodyPr>
+          <a:p>
+            <a:pPr lvl="0" algn="ctr"/>
+            <a:r>
+              <a:rPr lang="en-US" altLang="zh-CN" sz="1400" dirty="0">
+                <a:solidFill>
+                  <a:schemeClr val="tx1"/>
+                </a:solidFill>
+                <a:sym typeface="+mn-ea"/>
+              </a:rPr>
+              <a:t>ticket preserve</a:t>
+            </a:r>
+            <a:endParaRPr lang="en-US" altLang="zh-CN" sz="1400" dirty="0">
+              <a:solidFill>
+                <a:schemeClr val="tx1"/>
+              </a:solidFill>
+              <a:sym typeface="+mn-ea"/>
+            </a:endParaRPr>
+          </a:p>
+          <a:p>
+            <a:pPr lvl="0" algn="ctr"/>
+            <a:r>
+              <a:rPr lang="en-US" altLang="zh-CN" sz="1400" dirty="0">
+                <a:solidFill>
+                  <a:schemeClr val="tx1"/>
+                </a:solidFill>
+                <a:sym typeface="+mn-ea"/>
+              </a:rPr>
+              <a:t>(voice)</a:t>
+            </a:r>
+            <a:endParaRPr lang="en-US" altLang="zh-CN" sz="1400" dirty="0">
+              <a:solidFill>
+                <a:schemeClr val="tx1"/>
+              </a:solidFill>
+              <a:sym typeface="+mn-ea"/>
+            </a:endParaRPr>
+          </a:p>
+        </p:txBody>
+      </p:sp>
+      <p:sp>
+        <p:nvSpPr>
+          <p:cNvPr id="45" name="流程图: 准备 19"/>
+          <p:cNvSpPr/>
+          <p:nvPr/>
+        </p:nvSpPr>
+        <p:spPr>
+          <a:xfrm>
+            <a:off x="1957070" y="4713605"/>
+            <a:ext cx="1243330" cy="590550"/>
+          </a:xfrm>
+          <a:prstGeom prst="flowChartPreparation">
+            <a:avLst/>
+          </a:prstGeom>
+          <a:solidFill>
+            <a:srgbClr val="FFC000"/>
+          </a:solidFill>
+          <a:ln w="28575">
+            <a:solidFill>
+              <a:schemeClr val="tx1"/>
+            </a:solidFill>
+          </a:ln>
+          <a:effectLst>
+            <a:glow>
+              <a:schemeClr val="accent1">
+                <a:alpha val="40000"/>
+              </a:schemeClr>
+            </a:glow>
+          </a:effectLst>
+        </p:spPr>
+        <p:style>
+          <a:lnRef idx="1">
+            <a:schemeClr val="accent6"/>
+          </a:lnRef>
+          <a:fillRef idx="3">
+            <a:schemeClr val="accent6"/>
+          </a:fillRef>
+          <a:effectRef idx="2">
+            <a:schemeClr val="accent6"/>
+          </a:effectRef>
+          <a:fontRef idx="minor">
+            <a:schemeClr val="lt1"/>
+          </a:fontRef>
+        </p:style>
+        <p:txBody>
+          <a:bodyPr vertOverflow="overflow" horzOverflow="overflow" vert="horz" wrap="none" lIns="0" tIns="0" rIns="0" bIns="0" numCol="1" spcCol="0" rtlCol="0" fromWordArt="0" anchor="ctr" anchorCtr="0" forceAA="0" compatLnSpc="1">
+            <a:normAutofit/>
+          </a:bodyPr>
+          <a:p>
+            <a:pPr lvl="0" algn="ctr"/>
+            <a:r>
+              <a:rPr lang="en-US" altLang="zh-CN" sz="1400" dirty="0">
+                <a:solidFill>
+                  <a:schemeClr val="tx1"/>
+                </a:solidFill>
+                <a:sym typeface="+mn-ea"/>
+              </a:rPr>
+              <a:t>voice process</a:t>
+            </a:r>
+            <a:endParaRPr lang="en-US" altLang="zh-CN" sz="1400" dirty="0">
+              <a:solidFill>
+                <a:schemeClr val="tx1"/>
+              </a:solidFill>
+              <a:sym typeface="+mn-ea"/>
+            </a:endParaRPr>
+          </a:p>
+        </p:txBody>
+      </p:sp>
+      <p:sp>
+        <p:nvSpPr>
+          <p:cNvPr id="48" name="流程图: 准备 19"/>
+          <p:cNvSpPr/>
+          <p:nvPr/>
+        </p:nvSpPr>
+        <p:spPr>
+          <a:xfrm>
+            <a:off x="1838960" y="5483225"/>
+            <a:ext cx="1361440" cy="590550"/>
+          </a:xfrm>
+          <a:prstGeom prst="flowChartPreparation">
+            <a:avLst/>
+          </a:prstGeom>
+          <a:solidFill>
+            <a:srgbClr val="FFC000"/>
+          </a:solidFill>
+          <a:ln w="28575">
+            <a:solidFill>
+              <a:schemeClr val="tx1"/>
+            </a:solidFill>
+          </a:ln>
+          <a:effectLst>
+            <a:glow>
+              <a:schemeClr val="accent1">
+                <a:alpha val="40000"/>
+              </a:schemeClr>
+            </a:glow>
+          </a:effectLst>
+        </p:spPr>
+        <p:style>
+          <a:lnRef idx="1">
+            <a:schemeClr val="accent6"/>
+          </a:lnRef>
+          <a:fillRef idx="3">
+            <a:schemeClr val="accent6"/>
+          </a:fillRef>
+          <a:effectRef idx="2">
+            <a:schemeClr val="accent6"/>
+          </a:effectRef>
+          <a:fontRef idx="minor">
+            <a:schemeClr val="lt1"/>
+          </a:fontRef>
+        </p:style>
+        <p:txBody>
+          <a:bodyPr vertOverflow="overflow" horzOverflow="overflow" vert="horz" wrap="none" lIns="0" tIns="0" rIns="0" bIns="0" numCol="1" spcCol="0" rtlCol="0" fromWordArt="0" anchor="ctr" anchorCtr="0" forceAA="0" compatLnSpc="1">
+            <a:normAutofit/>
+          </a:bodyPr>
+          <a:p>
+            <a:pPr lvl="0" algn="ctr"/>
+            <a:r>
+              <a:rPr lang="en-US" altLang="zh-CN" sz="1400" dirty="0">
+                <a:solidFill>
+                  <a:schemeClr val="tx1"/>
+                </a:solidFill>
+                <a:sym typeface="+mn-ea"/>
+              </a:rPr>
+              <a:t>ticket semantic</a:t>
+            </a:r>
+            <a:endParaRPr lang="en-US" altLang="zh-CN" sz="1400" dirty="0">
+              <a:solidFill>
+                <a:schemeClr val="tx1"/>
+              </a:solidFill>
+              <a:sym typeface="+mn-ea"/>
+            </a:endParaRPr>
+          </a:p>
+        </p:txBody>
+      </p:sp>
+      <p:sp>
+        <p:nvSpPr>
+          <p:cNvPr id="49" name="流程图: 准备 19"/>
+          <p:cNvSpPr/>
+          <p:nvPr/>
+        </p:nvSpPr>
+        <p:spPr>
+          <a:xfrm>
+            <a:off x="3359785" y="4731385"/>
+            <a:ext cx="1361440" cy="590550"/>
+          </a:xfrm>
+          <a:prstGeom prst="flowChartPreparation">
+            <a:avLst/>
+          </a:prstGeom>
+          <a:solidFill>
+            <a:srgbClr val="FFC000"/>
+          </a:solidFill>
+          <a:ln w="28575">
+            <a:solidFill>
+              <a:schemeClr val="tx1"/>
+            </a:solidFill>
+          </a:ln>
+          <a:effectLst>
+            <a:glow>
+              <a:schemeClr val="accent1">
+                <a:alpha val="40000"/>
+              </a:schemeClr>
+            </a:glow>
+          </a:effectLst>
+        </p:spPr>
+        <p:style>
+          <a:lnRef idx="1">
+            <a:schemeClr val="accent6"/>
+          </a:lnRef>
+          <a:fillRef idx="3">
+            <a:schemeClr val="accent6"/>
+          </a:fillRef>
+          <a:effectRef idx="2">
+            <a:schemeClr val="accent6"/>
+          </a:effectRef>
+          <a:fontRef idx="minor">
+            <a:schemeClr val="lt1"/>
+          </a:fontRef>
+        </p:style>
+        <p:txBody>
+          <a:bodyPr vertOverflow="overflow" horzOverflow="overflow" vert="horz" wrap="none" lIns="0" tIns="0" rIns="0" bIns="0" numCol="1" spcCol="0" rtlCol="0" fromWordArt="0" anchor="ctr" anchorCtr="0" forceAA="0" compatLnSpc="1">
+            <a:normAutofit/>
+          </a:bodyPr>
+          <a:p>
+            <a:pPr lvl="0" algn="ctr"/>
+            <a:r>
+              <a:rPr lang="en-US" altLang="zh-CN" sz="1400" dirty="0">
+                <a:solidFill>
+                  <a:schemeClr val="tx1"/>
+                </a:solidFill>
+                <a:sym typeface="+mn-ea"/>
+              </a:rPr>
+              <a:t>voice filter</a:t>
+            </a:r>
+            <a:endParaRPr lang="en-US" altLang="zh-CN" sz="1400" dirty="0">
+              <a:solidFill>
+                <a:schemeClr val="tx1"/>
+              </a:solidFill>
+              <a:sym typeface="+mn-ea"/>
+            </a:endParaRPr>
+          </a:p>
+        </p:txBody>
+      </p:sp>
+      <p:sp>
+        <p:nvSpPr>
+          <p:cNvPr id="50" name="流程图: 准备 19"/>
+          <p:cNvSpPr/>
+          <p:nvPr/>
+        </p:nvSpPr>
+        <p:spPr>
+          <a:xfrm>
+            <a:off x="3331210" y="5483225"/>
+            <a:ext cx="1361440" cy="590550"/>
+          </a:xfrm>
+          <a:prstGeom prst="flowChartPreparation">
+            <a:avLst/>
+          </a:prstGeom>
+          <a:solidFill>
+            <a:srgbClr val="FFC000"/>
+          </a:solidFill>
+          <a:ln w="28575">
+            <a:solidFill>
+              <a:schemeClr val="tx1"/>
+            </a:solidFill>
+          </a:ln>
+          <a:effectLst>
+            <a:glow>
+              <a:schemeClr val="accent1">
+                <a:alpha val="40000"/>
+              </a:schemeClr>
+            </a:glow>
+          </a:effectLst>
+        </p:spPr>
+        <p:style>
+          <a:lnRef idx="1">
+            <a:schemeClr val="accent6"/>
+          </a:lnRef>
+          <a:fillRef idx="3">
+            <a:schemeClr val="accent6"/>
+          </a:fillRef>
+          <a:effectRef idx="2">
+            <a:schemeClr val="accent6"/>
+          </a:effectRef>
+          <a:fontRef idx="minor">
+            <a:schemeClr val="lt1"/>
+          </a:fontRef>
+        </p:style>
+        <p:txBody>
+          <a:bodyPr vertOverflow="overflow" horzOverflow="overflow" vert="horz" wrap="none" lIns="0" tIns="0" rIns="0" bIns="0" numCol="1" spcCol="0" rtlCol="0" fromWordArt="0" anchor="ctr" anchorCtr="0" forceAA="0" compatLnSpc="1">
+            <a:normAutofit/>
+          </a:bodyPr>
+          <a:p>
+            <a:pPr lvl="0" algn="ctr"/>
+            <a:r>
+              <a:rPr lang="en-US" altLang="zh-CN" sz="1400" dirty="0">
+                <a:solidFill>
+                  <a:schemeClr val="tx1"/>
+                </a:solidFill>
+                <a:sym typeface="+mn-ea"/>
+              </a:rPr>
+              <a:t>semantic filter</a:t>
+            </a:r>
+            <a:endParaRPr lang="en-US" altLang="zh-CN" sz="1400" dirty="0">
+              <a:solidFill>
+                <a:schemeClr val="tx1"/>
+              </a:solidFill>
+              <a:sym typeface="+mn-ea"/>
+            </a:endParaRPr>
+          </a:p>
+        </p:txBody>
+      </p:sp>
+      <p:sp>
+        <p:nvSpPr>
+          <p:cNvPr id="51" name="流程图: 准备 19"/>
+          <p:cNvSpPr/>
+          <p:nvPr/>
+        </p:nvSpPr>
+        <p:spPr>
+          <a:xfrm>
+            <a:off x="282575" y="5483225"/>
+            <a:ext cx="1361440" cy="590550"/>
+          </a:xfrm>
+          <a:prstGeom prst="flowChartPreparation">
+            <a:avLst/>
+          </a:prstGeom>
+          <a:solidFill>
+            <a:srgbClr val="FFC000"/>
+          </a:solidFill>
+          <a:ln w="28575">
+            <a:solidFill>
+              <a:schemeClr val="tx1"/>
+            </a:solidFill>
+          </a:ln>
+          <a:effectLst>
+            <a:glow>
+              <a:schemeClr val="accent1">
+                <a:alpha val="40000"/>
+              </a:schemeClr>
+            </a:glow>
+          </a:effectLst>
+        </p:spPr>
+        <p:style>
+          <a:lnRef idx="1">
+            <a:schemeClr val="accent6"/>
+          </a:lnRef>
+          <a:fillRef idx="3">
+            <a:schemeClr val="accent6"/>
+          </a:fillRef>
+          <a:effectRef idx="2">
+            <a:schemeClr val="accent6"/>
+          </a:effectRef>
+          <a:fontRef idx="minor">
+            <a:schemeClr val="lt1"/>
+          </a:fontRef>
+        </p:style>
+        <p:txBody>
+          <a:bodyPr vertOverflow="overflow" horzOverflow="overflow" vert="horz" wrap="none" lIns="0" tIns="0" rIns="0" bIns="0" numCol="1" spcCol="0" rtlCol="0" fromWordArt="0" anchor="ctr" anchorCtr="0" forceAA="0" compatLnSpc="1">
+            <a:normAutofit/>
+          </a:bodyPr>
+          <a:p>
+            <a:pPr lvl="0" algn="ctr"/>
+            <a:r>
+              <a:rPr lang="en-US" altLang="zh-CN" sz="1400" dirty="0">
+                <a:solidFill>
+                  <a:schemeClr val="tx1"/>
+                </a:solidFill>
+                <a:sym typeface="+mn-ea"/>
+              </a:rPr>
+              <a:t>result generator</a:t>
+            </a:r>
+            <a:endParaRPr lang="en-US" altLang="zh-CN" sz="1400" dirty="0">
+              <a:solidFill>
+                <a:schemeClr val="tx1"/>
+              </a:solidFill>
+              <a:sym typeface="+mn-ea"/>
+            </a:endParaRPr>
+          </a:p>
+        </p:txBody>
+      </p:sp>
+      <p:sp>
+        <p:nvSpPr>
+          <p:cNvPr id="52" name="流程图: 准备 19"/>
+          <p:cNvSpPr/>
+          <p:nvPr/>
+        </p:nvSpPr>
+        <p:spPr>
+          <a:xfrm>
+            <a:off x="427355" y="6297295"/>
+            <a:ext cx="1411605" cy="418465"/>
+          </a:xfrm>
+          <a:prstGeom prst="flowChartPreparation">
+            <a:avLst/>
+          </a:prstGeom>
+          <a:solidFill>
+            <a:srgbClr val="FFC000"/>
+          </a:solidFill>
+          <a:ln w="28575">
+            <a:solidFill>
+              <a:schemeClr val="tx1"/>
+            </a:solidFill>
+          </a:ln>
+          <a:effectLst>
+            <a:glow>
+              <a:schemeClr val="accent1">
+                <a:alpha val="40000"/>
+              </a:schemeClr>
+            </a:glow>
+          </a:effectLst>
+        </p:spPr>
+        <p:style>
+          <a:lnRef idx="1">
+            <a:schemeClr val="accent6"/>
+          </a:lnRef>
+          <a:fillRef idx="3">
+            <a:schemeClr val="accent6"/>
+          </a:fillRef>
+          <a:effectRef idx="2">
+            <a:schemeClr val="accent6"/>
+          </a:effectRef>
+          <a:fontRef idx="minor">
+            <a:schemeClr val="lt1"/>
+          </a:fontRef>
+        </p:style>
+        <p:txBody>
+          <a:bodyPr vertOverflow="overflow" horzOverflow="overflow" vert="horz" wrap="none" lIns="0" tIns="0" rIns="0" bIns="0" numCol="1" spcCol="0" rtlCol="0" fromWordArt="0" anchor="ctr" anchorCtr="0" forceAA="0" compatLnSpc="1">
+            <a:normAutofit/>
+          </a:bodyPr>
+          <a:p>
+            <a:pPr lvl="0" algn="ctr"/>
+            <a:r>
+              <a:rPr lang="en-US" altLang="zh-CN" sz="1400" dirty="0">
+                <a:solidFill>
+                  <a:schemeClr val="tx1"/>
+                </a:solidFill>
+                <a:sym typeface="+mn-ea"/>
+              </a:rPr>
+              <a:t>voice response</a:t>
+            </a:r>
+            <a:endParaRPr lang="en-US" altLang="zh-CN" sz="1400" dirty="0">
+              <a:solidFill>
+                <a:schemeClr val="tx1"/>
+              </a:solidFill>
+              <a:sym typeface="+mn-ea"/>
+            </a:endParaRPr>
+          </a:p>
+        </p:txBody>
+      </p:sp>
+      <p:cxnSp>
+        <p:nvCxnSpPr>
+          <p:cNvPr id="54" name="Straight Arrow Connector 89"/>
+          <p:cNvCxnSpPr>
+            <a:stCxn id="44" idx="3"/>
+            <a:endCxn id="45" idx="1"/>
+          </p:cNvCxnSpPr>
+          <p:nvPr/>
+        </p:nvCxnSpPr>
+        <p:spPr>
+          <a:xfrm>
+            <a:off x="1733550" y="5008880"/>
+            <a:ext cx="223520" cy="0"/>
+          </a:xfrm>
+          <a:prstGeom prst="straightConnector1">
+            <a:avLst/>
+          </a:prstGeom>
+          <a:ln>
+            <a:tailEnd type="triangle"/>
+          </a:ln>
+        </p:spPr>
+        <p:style>
+          <a:lnRef idx="1">
+            <a:schemeClr val="accent1"/>
+          </a:lnRef>
+          <a:fillRef idx="0">
+            <a:schemeClr val="accent1"/>
+          </a:fillRef>
+          <a:effectRef idx="0">
+            <a:schemeClr val="accent1"/>
+          </a:effectRef>
+          <a:fontRef idx="minor">
+            <a:schemeClr val="tx1"/>
+          </a:fontRef>
+        </p:style>
+      </p:cxnSp>
+      <p:cxnSp>
+        <p:nvCxnSpPr>
+          <p:cNvPr id="56" name="Straight Arrow Connector 89"/>
+          <p:cNvCxnSpPr>
+            <a:stCxn id="45" idx="3"/>
+            <a:endCxn id="49" idx="1"/>
+          </p:cNvCxnSpPr>
+          <p:nvPr/>
+        </p:nvCxnSpPr>
+        <p:spPr>
+          <a:xfrm>
+            <a:off x="3200400" y="5008880"/>
+            <a:ext cx="159385" cy="17780"/>
+          </a:xfrm>
+          <a:prstGeom prst="straightConnector1">
+            <a:avLst/>
+          </a:prstGeom>
+          <a:ln>
+            <a:tailEnd type="triangle"/>
+          </a:ln>
+        </p:spPr>
+        <p:style>
+          <a:lnRef idx="1">
+            <a:schemeClr val="accent1"/>
+          </a:lnRef>
+          <a:fillRef idx="0">
+            <a:schemeClr val="accent1"/>
+          </a:fillRef>
+          <a:effectRef idx="0">
+            <a:schemeClr val="accent1"/>
+          </a:effectRef>
+          <a:fontRef idx="minor">
+            <a:schemeClr val="tx1"/>
+          </a:fontRef>
+        </p:style>
+      </p:cxnSp>
+      <p:cxnSp>
+        <p:nvCxnSpPr>
+          <p:cNvPr id="57" name="Straight Arrow Connector 89"/>
+          <p:cNvCxnSpPr>
+            <a:stCxn id="49" idx="2"/>
+            <a:endCxn id="50" idx="0"/>
+          </p:cNvCxnSpPr>
+          <p:nvPr/>
+        </p:nvCxnSpPr>
+        <p:spPr>
+          <a:xfrm flipH="1">
+            <a:off x="4011930" y="5321935"/>
+            <a:ext cx="28575" cy="161290"/>
+          </a:xfrm>
+          <a:prstGeom prst="straightConnector1">
+            <a:avLst/>
+          </a:prstGeom>
+          <a:ln>
+            <a:tailEnd type="triangle"/>
+          </a:ln>
+        </p:spPr>
+        <p:style>
+          <a:lnRef idx="1">
+            <a:schemeClr val="accent1"/>
+          </a:lnRef>
+          <a:fillRef idx="0">
+            <a:schemeClr val="accent1"/>
+          </a:fillRef>
+          <a:effectRef idx="0">
+            <a:schemeClr val="accent1"/>
+          </a:effectRef>
+          <a:fontRef idx="minor">
+            <a:schemeClr val="tx1"/>
+          </a:fontRef>
+        </p:style>
+      </p:cxnSp>
+      <p:cxnSp>
+        <p:nvCxnSpPr>
+          <p:cNvPr id="58" name="Straight Arrow Connector 89"/>
+          <p:cNvCxnSpPr>
+            <a:stCxn id="50" idx="1"/>
+            <a:endCxn id="48" idx="3"/>
+          </p:cNvCxnSpPr>
+          <p:nvPr/>
+        </p:nvCxnSpPr>
+        <p:spPr>
+          <a:xfrm flipH="1">
+            <a:off x="3200400" y="5778500"/>
+            <a:ext cx="130810" cy="0"/>
+          </a:xfrm>
+          <a:prstGeom prst="straightConnector1">
+            <a:avLst/>
+          </a:prstGeom>
+          <a:ln>
+            <a:tailEnd type="triangle"/>
+          </a:ln>
+        </p:spPr>
+        <p:style>
+          <a:lnRef idx="1">
+            <a:schemeClr val="accent1"/>
+          </a:lnRef>
+          <a:fillRef idx="0">
+            <a:schemeClr val="accent1"/>
+          </a:fillRef>
+          <a:effectRef idx="0">
+            <a:schemeClr val="accent1"/>
+          </a:effectRef>
+          <a:fontRef idx="minor">
+            <a:schemeClr val="tx1"/>
+          </a:fontRef>
+        </p:style>
+      </p:cxnSp>
+      <p:cxnSp>
+        <p:nvCxnSpPr>
+          <p:cNvPr id="59" name="Straight Arrow Connector 89"/>
+          <p:cNvCxnSpPr>
+            <a:stCxn id="48" idx="1"/>
+            <a:endCxn id="51" idx="3"/>
+          </p:cNvCxnSpPr>
+          <p:nvPr/>
+        </p:nvCxnSpPr>
+        <p:spPr>
+          <a:xfrm flipH="1">
+            <a:off x="1644015" y="5778500"/>
+            <a:ext cx="194945" cy="0"/>
+          </a:xfrm>
+          <a:prstGeom prst="straightConnector1">
+            <a:avLst/>
+          </a:prstGeom>
+          <a:ln>
+            <a:tailEnd type="triangle"/>
+          </a:ln>
+        </p:spPr>
+        <p:style>
+          <a:lnRef idx="1">
+            <a:schemeClr val="accent1"/>
+          </a:lnRef>
+          <a:fillRef idx="0">
+            <a:schemeClr val="accent1"/>
+          </a:fillRef>
+          <a:effectRef idx="0">
+            <a:schemeClr val="accent1"/>
+          </a:effectRef>
+          <a:fontRef idx="minor">
+            <a:schemeClr val="tx1"/>
+          </a:fontRef>
+        </p:style>
+      </p:cxnSp>
+      <p:cxnSp>
+        <p:nvCxnSpPr>
+          <p:cNvPr id="62" name="Straight Arrow Connector 89"/>
+          <p:cNvCxnSpPr>
+            <a:stCxn id="51" idx="2"/>
+            <a:endCxn id="52" idx="0"/>
+          </p:cNvCxnSpPr>
+          <p:nvPr/>
+        </p:nvCxnSpPr>
+        <p:spPr>
+          <a:xfrm>
+            <a:off x="963295" y="6073775"/>
+            <a:ext cx="170180" cy="223520"/>
+          </a:xfrm>
+          <a:prstGeom prst="straightConnector1">
+            <a:avLst/>
+          </a:prstGeom>
+          <a:ln>
+            <a:tailEnd type="triangle"/>
+          </a:ln>
+        </p:spPr>
+        <p:style>
+          <a:lnRef idx="1">
+            <a:schemeClr val="accent1"/>
+          </a:lnRef>
+          <a:fillRef idx="0">
+            <a:schemeClr val="accent1"/>
+          </a:fillRef>
+          <a:effectRef idx="0">
+            <a:schemeClr val="accent1"/>
+          </a:effectRef>
+          <a:fontRef idx="minor">
+            <a:schemeClr val="tx1"/>
+          </a:fontRef>
+        </p:style>
+      </p:cxnSp>
+      <p:sp>
+        <p:nvSpPr>
+          <p:cNvPr id="69" name="流程图: 准备 19"/>
+          <p:cNvSpPr/>
+          <p:nvPr/>
+        </p:nvSpPr>
+        <p:spPr>
+          <a:xfrm>
+            <a:off x="2119630" y="6210935"/>
+            <a:ext cx="1450975" cy="590550"/>
+          </a:xfrm>
+          <a:prstGeom prst="flowChartPreparation">
+            <a:avLst/>
+          </a:prstGeom>
+          <a:solidFill>
+            <a:srgbClr val="FFC000"/>
+          </a:solidFill>
+          <a:ln w="28575">
+            <a:solidFill>
+              <a:schemeClr val="tx1"/>
+            </a:solidFill>
+          </a:ln>
+          <a:effectLst>
+            <a:glow>
+              <a:schemeClr val="accent1">
+                <a:alpha val="40000"/>
+              </a:schemeClr>
+            </a:glow>
+          </a:effectLst>
+        </p:spPr>
+        <p:style>
+          <a:lnRef idx="1">
+            <a:schemeClr val="accent6"/>
+          </a:lnRef>
+          <a:fillRef idx="3">
+            <a:schemeClr val="accent6"/>
+          </a:fillRef>
+          <a:effectRef idx="2">
+            <a:schemeClr val="accent6"/>
+          </a:effectRef>
+          <a:fontRef idx="minor">
+            <a:schemeClr val="lt1"/>
+          </a:fontRef>
+        </p:style>
+        <p:txBody>
+          <a:bodyPr vertOverflow="overflow" horzOverflow="overflow" vert="horz" wrap="none" lIns="0" tIns="0" rIns="0" bIns="0" numCol="1" spcCol="0" rtlCol="0" fromWordArt="0" anchor="ctr" anchorCtr="0" forceAA="0" compatLnSpc="1">
+            <a:normAutofit/>
+          </a:bodyPr>
+          <a:p>
+            <a:pPr lvl="0" algn="ctr"/>
+            <a:r>
+              <a:rPr lang="en-US" altLang="zh-CN" sz="1400" dirty="0">
+                <a:solidFill>
+                  <a:schemeClr val="tx1"/>
+                </a:solidFill>
+                <a:sym typeface="+mn-ea"/>
+              </a:rPr>
+              <a:t>ticket verify</a:t>
+            </a:r>
+            <a:endParaRPr lang="en-US" altLang="zh-CN" sz="1400" dirty="0">
+              <a:solidFill>
+                <a:schemeClr val="tx1"/>
+              </a:solidFill>
+              <a:sym typeface="+mn-ea"/>
+            </a:endParaRPr>
+          </a:p>
+        </p:txBody>
+      </p:sp>
+      <p:cxnSp>
+        <p:nvCxnSpPr>
+          <p:cNvPr id="70" name="Straight Arrow Connector 89"/>
+          <p:cNvCxnSpPr>
+            <a:stCxn id="52" idx="3"/>
+            <a:endCxn id="69" idx="1"/>
+          </p:cNvCxnSpPr>
+          <p:nvPr/>
+        </p:nvCxnSpPr>
+        <p:spPr>
+          <a:xfrm flipV="1">
+            <a:off x="1838960" y="6506210"/>
+            <a:ext cx="280670" cy="635"/>
+          </a:xfrm>
+          <a:prstGeom prst="straightConnector1">
+            <a:avLst/>
+          </a:prstGeom>
+          <a:ln>
+            <a:tailEnd type="triangle"/>
+          </a:ln>
+        </p:spPr>
+        <p:style>
+          <a:lnRef idx="1">
+            <a:schemeClr val="accent1"/>
+          </a:lnRef>
+          <a:fillRef idx="0">
+            <a:schemeClr val="accent1"/>
+          </a:fillRef>
+          <a:effectRef idx="0">
+            <a:schemeClr val="accent1"/>
+          </a:effectRef>
+          <a:fontRef idx="minor">
+            <a:schemeClr val="tx1"/>
+          </a:fontRef>
+        </p:style>
+      </p:cxnSp>
+      <p:cxnSp>
+        <p:nvCxnSpPr>
+          <p:cNvPr id="71" name="Straight Arrow Connector 89"/>
+          <p:cNvCxnSpPr>
+            <a:stCxn id="69" idx="3"/>
+            <a:endCxn id="24" idx="2"/>
+          </p:cNvCxnSpPr>
+          <p:nvPr/>
+        </p:nvCxnSpPr>
+        <p:spPr>
+          <a:xfrm flipV="1">
+            <a:off x="3570605" y="1177290"/>
+            <a:ext cx="3815715" cy="5328920"/>
+          </a:xfrm>
+          <a:prstGeom prst="straightConnector1">
+            <a:avLst/>
+          </a:prstGeom>
+          <a:ln>
+            <a:tailEnd type="triangle"/>
+          </a:ln>
+        </p:spPr>
+        <p:style>
+          <a:lnRef idx="1">
+            <a:schemeClr val="accent1"/>
+          </a:lnRef>
+          <a:fillRef idx="0">
+            <a:schemeClr val="accent1"/>
+          </a:fillRef>
+          <a:effectRef idx="0">
+            <a:schemeClr val="accent1"/>
+          </a:effectRef>
+          <a:fontRef idx="minor">
+            <a:schemeClr val="tx1"/>
+          </a:fontRef>
+        </p:style>
+      </p:cxnSp>
+      <p:sp>
+        <p:nvSpPr>
+          <p:cNvPr id="73" name="流程图: 准备 19"/>
+          <p:cNvSpPr/>
+          <p:nvPr/>
+        </p:nvSpPr>
+        <p:spPr>
+          <a:xfrm>
+            <a:off x="8843225" y="6073629"/>
+            <a:ext cx="1227887" cy="617874"/>
+          </a:xfrm>
+          <a:prstGeom prst="flowChartPreparation">
+            <a:avLst/>
+          </a:prstGeom>
+          <a:solidFill>
+            <a:srgbClr val="FFC000"/>
+          </a:solidFill>
+          <a:ln w="28575">
+            <a:solidFill>
+              <a:schemeClr val="tx1"/>
+            </a:solidFill>
+          </a:ln>
+          <a:effectLst>
+            <a:glow>
+              <a:schemeClr val="accent1">
+                <a:alpha val="40000"/>
+              </a:schemeClr>
+            </a:glow>
+          </a:effectLst>
+        </p:spPr>
+        <p:style>
+          <a:lnRef idx="1">
+            <a:schemeClr val="accent6"/>
+          </a:lnRef>
+          <a:fillRef idx="3">
+            <a:schemeClr val="accent6"/>
+          </a:fillRef>
+          <a:effectRef idx="2">
+            <a:schemeClr val="accent6"/>
+          </a:effectRef>
+          <a:fontRef idx="minor">
+            <a:schemeClr val="lt1"/>
+          </a:fontRef>
+        </p:style>
+        <p:txBody>
+          <a:bodyPr vertOverflow="overflow" horzOverflow="overflow" vert="horz" wrap="none" lIns="0" tIns="0" rIns="0" bIns="0" numCol="1" spcCol="0" rtlCol="0" fromWordArt="0" anchor="ctr" anchorCtr="0" forceAA="0" compatLnSpc="1">
+            <a:normAutofit/>
+          </a:bodyPr>
+          <a:p>
+            <a:pPr lvl="0" algn="ctr"/>
+            <a:r>
+              <a:rPr lang="en-US" altLang="zh-CN" sz="1400" smtClean="0">
+                <a:ln w="0"/>
+                <a:solidFill>
+                  <a:schemeClr val="tx1"/>
+                </a:solidFill>
+                <a:effectLst>
+                  <a:outerShdw blurRad="38100" dist="19050" dir="2700000" algn="tl" rotWithShape="0">
+                    <a:schemeClr val="dk1">
+                      <a:alpha val="40000"/>
+                    </a:schemeClr>
+                  </a:outerShdw>
+                </a:effectLst>
+                <a:sym typeface="+mn-ea"/>
+              </a:rPr>
+              <a:t>Food map</a:t>
+            </a:r>
+            <a:endParaRPr lang="en-US" altLang="zh-CN" sz="1400" dirty="0">
+              <a:ln w="0"/>
+              <a:solidFill>
+                <a:schemeClr val="tx1"/>
+              </a:solidFill>
+              <a:effectLst>
+                <a:outerShdw blurRad="38100" dist="19050" dir="2700000" algn="tl" rotWithShape="0">
+                  <a:schemeClr val="dk1">
+                    <a:alpha val="40000"/>
+                  </a:schemeClr>
+                </a:outerShdw>
+              </a:effectLst>
+              <a:sym typeface="+mn-ea"/>
+            </a:endParaRPr>
+          </a:p>
+        </p:txBody>
+      </p:sp>
+      <p:cxnSp>
+        <p:nvCxnSpPr>
+          <p:cNvPr id="75" name="Straight Arrow Connector 80"/>
+          <p:cNvCxnSpPr>
+            <a:stCxn id="89" idx="3"/>
+            <a:endCxn id="73" idx="1"/>
+          </p:cNvCxnSpPr>
+          <p:nvPr/>
+        </p:nvCxnSpPr>
+        <p:spPr>
+          <a:xfrm flipV="1">
+            <a:off x="8475980" y="6383020"/>
+            <a:ext cx="367030" cy="24130"/>
+          </a:xfrm>
+          <a:prstGeom prst="straightConnector1">
+            <a:avLst/>
+          </a:prstGeom>
+          <a:ln>
+            <a:tailEnd type="triangle"/>
+          </a:ln>
+        </p:spPr>
+        <p:style>
+          <a:lnRef idx="1">
+            <a:schemeClr val="accent1"/>
+          </a:lnRef>
+          <a:fillRef idx="0">
+            <a:schemeClr val="accent1"/>
+          </a:fillRef>
+          <a:effectRef idx="0">
+            <a:schemeClr val="accent1"/>
+          </a:effectRef>
+          <a:fontRef idx="minor">
+            <a:schemeClr val="tx1"/>
+          </a:fontRef>
+        </p:style>
+      </p:cxnSp>
     </p:spTree>
-    <p:extLst>
-      <p:ext uri="{BB962C8B-B14F-4D97-AF65-F5344CB8AC3E}">
-        <p14:creationId xmlns:p14="http://schemas.microsoft.com/office/powerpoint/2010/main" val="25263013"/>
-      </p:ext>
-    </p:extLst>
   </p:cSld>
   <p:clrMapOvr>
     <a:masterClrMapping/>
@@ -10186,8 +12316,6 @@
       </a:bgFillStyleLst>
     </a:fmtScheme>
   </a:themeElements>
-  <a:objectDefaults/>
-  <a:extraClrSchemeLst/>
   <a:extLst>
     <a:ext uri="{05A4C25C-085E-4340-85A3-A5531E510DB2}">
       <thm15:themeFamily xmlns:thm15="http://schemas.microsoft.com/office/thememl/2012/main" name="Office Theme" id="{62F939B6-93AF-4DB8-9C6B-D6C7DFDC589F}" vid="{4A3C46E8-61CC-4603-A589-7422A47A8E4A}"/>
@@ -10447,8 +12575,6 @@
       </a:bgFillStyleLst>
     </a:fmtScheme>
   </a:themeElements>
-  <a:objectDefaults/>
-  <a:extraClrSchemeLst/>
   <a:extLst>
     <a:ext uri="{05A4C25C-085E-4340-85A3-A5531E510DB2}">
       <thm15:themeFamily xmlns:thm15="http://schemas.microsoft.com/office/thememl/2012/main" name="Office Theme" id="{62F939B6-93AF-4DB8-9C6B-D6C7DFDC589F}" vid="{4A3C46E8-61CC-4603-A589-7422A47A8E4A}"/>
@@ -10708,8 +12834,6 @@
       </a:bgFillStyleLst>
     </a:fmtScheme>
   </a:themeElements>
-  <a:objectDefaults/>
-  <a:extraClrSchemeLst/>
   <a:extLst>
     <a:ext uri="{05A4C25C-085E-4340-85A3-A5531E510DB2}">
       <thm15:themeFamily xmlns:thm15="http://schemas.microsoft.com/office/thememl/2012/main" name="Office Theme" id="{62F939B6-93AF-4DB8-9C6B-D6C7DFDC589F}" vid="{4A3C46E8-61CC-4603-A589-7422A47A8E4A}"/>
